--- a/Angular2.pptx
+++ b/Angular2.pptx
@@ -5,10 +5,10 @@
     <p:sldMasterId id="2147483704" r:id="rId1"/>
   </p:sldMasterIdLst>
   <p:notesMasterIdLst>
-    <p:notesMasterId r:id="rId20"/>
+    <p:notesMasterId r:id="rId18"/>
   </p:notesMasterIdLst>
   <p:handoutMasterIdLst>
-    <p:handoutMasterId r:id="rId21"/>
+    <p:handoutMasterId r:id="rId19"/>
   </p:handoutMasterIdLst>
   <p:sldIdLst>
     <p:sldId id="344" r:id="rId2"/>
@@ -18,17 +18,15 @@
     <p:sldId id="368" r:id="rId6"/>
     <p:sldId id="365" r:id="rId7"/>
     <p:sldId id="369" r:id="rId8"/>
-    <p:sldId id="370" r:id="rId9"/>
-    <p:sldId id="371" r:id="rId10"/>
-    <p:sldId id="372" r:id="rId11"/>
-    <p:sldId id="373" r:id="rId12"/>
-    <p:sldId id="374" r:id="rId13"/>
-    <p:sldId id="375" r:id="rId14"/>
-    <p:sldId id="376" r:id="rId15"/>
-    <p:sldId id="377" r:id="rId16"/>
-    <p:sldId id="378" r:id="rId17"/>
-    <p:sldId id="379" r:id="rId18"/>
-    <p:sldId id="359" r:id="rId19"/>
+    <p:sldId id="371" r:id="rId9"/>
+    <p:sldId id="372" r:id="rId10"/>
+    <p:sldId id="373" r:id="rId11"/>
+    <p:sldId id="374" r:id="rId12"/>
+    <p:sldId id="375" r:id="rId13"/>
+    <p:sldId id="376" r:id="rId14"/>
+    <p:sldId id="377" r:id="rId15"/>
+    <p:sldId id="378" r:id="rId16"/>
+    <p:sldId id="359" r:id="rId17"/>
   </p:sldIdLst>
   <p:sldSz cx="10058400" cy="5659438"/>
   <p:notesSz cx="6858000" cy="9144000"/>
@@ -127,6 +125,51 @@
       </a:defRPr>
     </a:lvl9pPr>
   </p:defaultTextStyle>
+  <p:extLst>
+    <p:ext uri="{EFAFB233-063F-42B5-8137-9DF3F51BA10A}">
+      <p15:sldGuideLst xmlns:p15="http://schemas.microsoft.com/office/powerpoint/2012/main">
+        <p15:guide id="1" orient="horz" pos="3414">
+          <p15:clr>
+            <a:srgbClr val="A4A3A4"/>
+          </p15:clr>
+        </p15:guide>
+        <p15:guide id="2" orient="horz" pos="678">
+          <p15:clr>
+            <a:srgbClr val="A4A3A4"/>
+          </p15:clr>
+        </p15:guide>
+        <p15:guide id="3" orient="horz" pos="976">
+          <p15:clr>
+            <a:srgbClr val="A4A3A4"/>
+          </p15:clr>
+        </p15:guide>
+        <p15:guide id="4" pos="6144">
+          <p15:clr>
+            <a:srgbClr val="A4A3A4"/>
+          </p15:clr>
+        </p15:guide>
+        <p15:guide id="5" pos="192">
+          <p15:clr>
+            <a:srgbClr val="A4A3A4"/>
+          </p15:clr>
+        </p15:guide>
+      </p15:sldGuideLst>
+    </p:ext>
+    <p:ext uri="{2D200454-40CA-4A62-9FC3-DE9A4176ACB9}">
+      <p15:notesGuideLst xmlns:p15="http://schemas.microsoft.com/office/powerpoint/2012/main">
+        <p15:guide id="1" orient="horz" pos="2880">
+          <p15:clr>
+            <a:srgbClr val="A4A3A4"/>
+          </p15:clr>
+        </p15:guide>
+        <p15:guide id="2" pos="2160">
+          <p15:clr>
+            <a:srgbClr val="A4A3A4"/>
+          </p15:clr>
+        </p15:guide>
+      </p15:notesGuideLst>
+    </p:ext>
+  </p:extLst>
 </p:presentation>
 </file>
 
@@ -212,7 +255,7 @@
           <a:p>
             <a:fld id="{6C81CA2B-63FD-43B1-BB3E-0E25807BFE2D}" type="datetimeFigureOut">
               <a:rPr lang="en-US" smtClean="0"/>
-              <a:t>4/20/2017</a:t>
+              <a:t>4/23/2017</a:t>
             </a:fld>
             <a:endParaRPr lang="en-US"/>
           </a:p>
@@ -377,7 +420,7 @@
           <a:p>
             <a:fld id="{5FD3A56E-4CDB-424C-B436-1DEEC3A52D42}" type="datetimeFigureOut">
               <a:rPr lang="en-US" smtClean="0"/>
-              <a:t>4/20/2017</a:t>
+              <a:t>4/23/2017</a:t>
             </a:fld>
             <a:endParaRPr lang="en-US"/>
           </a:p>
@@ -5336,10 +5379,14 @@
           <a:lstStyle/>
           <a:p>
             <a:r>
-              <a:rPr lang="en-US" dirty="0" smtClean="0"/>
+              <a:rPr lang="en-US" dirty="0" smtClean="0">
+                <a:latin typeface="+mj-lt"/>
+              </a:rPr>
               <a:t>Angular 2</a:t>
             </a:r>
-            <a:endParaRPr lang="en-US" dirty="0"/>
+            <a:endParaRPr lang="en-US" dirty="0">
+              <a:latin typeface="+mj-lt"/>
+            </a:endParaRPr>
           </a:p>
         </p:txBody>
       </p:sp>
@@ -5359,10 +5406,14 @@
           <a:lstStyle/>
           <a:p>
             <a:r>
-              <a:rPr lang="en-US" dirty="0" smtClean="0"/>
+              <a:rPr lang="en-US" sz="1600" dirty="0" smtClean="0">
+                <a:latin typeface="+mj-lt"/>
+              </a:rPr>
               <a:t>Authored by: Nilesh Pagar</a:t>
             </a:r>
-            <a:endParaRPr lang="en-US" dirty="0"/>
+            <a:endParaRPr lang="en-US" sz="1600" dirty="0">
+              <a:latin typeface="+mj-lt"/>
+            </a:endParaRPr>
           </a:p>
         </p:txBody>
       </p:sp>
@@ -5382,10 +5433,14 @@
           <a:lstStyle/>
           <a:p>
             <a:r>
-              <a:rPr lang="en-US" dirty="0" smtClean="0"/>
+              <a:rPr lang="en-US" sz="1600" dirty="0" smtClean="0">
+                <a:latin typeface="+mj-lt"/>
+              </a:rPr>
               <a:t>Presented by: Nilesh Pagar</a:t>
             </a:r>
-            <a:endParaRPr lang="en-US" dirty="0"/>
+            <a:endParaRPr lang="en-US" sz="1600" dirty="0">
+              <a:latin typeface="+mj-lt"/>
+            </a:endParaRPr>
           </a:p>
         </p:txBody>
       </p:sp>
@@ -5766,9 +5821,14 @@
           <a:lstStyle/>
           <a:p>
             <a:r>
-              <a:rPr lang="en-US" sz="1400" dirty="0"/>
-              <a:t>Setup and Bootstrap Angular2 &amp; Creating our first component and the main app component</a:t>
-            </a:r>
+              <a:rPr lang="en-US" dirty="0" smtClean="0">
+                <a:latin typeface="+mj-lt"/>
+              </a:rPr>
+              <a:t>Component and Component lifecycle</a:t>
+            </a:r>
+            <a:endParaRPr lang="en-US" dirty="0">
+              <a:latin typeface="+mj-lt"/>
+            </a:endParaRPr>
           </a:p>
         </p:txBody>
       </p:sp>
@@ -5792,23 +5852,42 @@
                 <a:solidFill>
                   <a:schemeClr val="tx1"/>
                 </a:solidFill>
+                <a:latin typeface="+mn-lt"/>
               </a:rPr>
-              <a:t>Set up our development </a:t>
+              <a:t>The </a:t>
+            </a:r>
+            <a:r>
+              <a:rPr lang="en-US" i="1" dirty="0">
+                <a:solidFill>
+                  <a:schemeClr val="tx1"/>
+                </a:solidFill>
+                <a:latin typeface="+mn-lt"/>
+              </a:rPr>
+              <a:t>Component</a:t>
+            </a:r>
+            <a:r>
+              <a:rPr lang="en-US" dirty="0">
+                <a:solidFill>
+                  <a:schemeClr val="tx1"/>
+                </a:solidFill>
+                <a:latin typeface="+mn-lt"/>
+              </a:rPr>
+              <a:t> is the most fundamental of Angular concepts</a:t>
             </a:r>
             <a:r>
               <a:rPr lang="en-US" dirty="0" smtClean="0">
                 <a:solidFill>
                   <a:schemeClr val="tx1"/>
                 </a:solidFill>
+                <a:latin typeface="+mn-lt"/>
               </a:rPr>
-              <a:t>environment</a:t>
-            </a:r>
-          </a:p>
-          <a:p>
+              <a:t>.</a:t>
+            </a:r>
             <a:endParaRPr lang="en-US" dirty="0">
               <a:solidFill>
                 <a:schemeClr val="tx1"/>
               </a:solidFill>
+              <a:latin typeface="+mn-lt"/>
             </a:endParaRPr>
           </a:p>
           <a:p>
@@ -5817,23 +5896,24 @@
                 <a:solidFill>
                   <a:schemeClr val="tx1"/>
                 </a:solidFill>
+                <a:latin typeface="+mn-lt"/>
               </a:rPr>
-              <a:t>Write the Angular root component for our </a:t>
+              <a:t> A component manages a view - a piece of the web page where we display information to the user and respond to user feedback</a:t>
             </a:r>
             <a:r>
               <a:rPr lang="en-US" dirty="0" smtClean="0">
                 <a:solidFill>
                   <a:schemeClr val="tx1"/>
                 </a:solidFill>
+                <a:latin typeface="+mn-lt"/>
               </a:rPr>
-              <a:t>app</a:t>
-            </a:r>
-          </a:p>
-          <a:p>
+              <a:t>.</a:t>
+            </a:r>
             <a:endParaRPr lang="en-US" dirty="0">
               <a:solidFill>
                 <a:schemeClr val="tx1"/>
               </a:solidFill>
+              <a:latin typeface="+mn-lt"/>
             </a:endParaRPr>
           </a:p>
           <a:p>
@@ -5842,70 +5922,155 @@
                 <a:solidFill>
                   <a:schemeClr val="tx1"/>
                 </a:solidFill>
+                <a:latin typeface="+mn-lt"/>
               </a:rPr>
-              <a:t>Add an Angular </a:t>
+              <a:t>Technically, a component is a class that controls a view template</a:t>
             </a:r>
             <a:r>
               <a:rPr lang="en-US" dirty="0" smtClean="0">
                 <a:solidFill>
                   <a:schemeClr val="tx1"/>
                 </a:solidFill>
+                <a:latin typeface="+mn-lt"/>
               </a:rPr>
-              <a:t>Module</a:t>
+              <a:t>.</a:t>
             </a:r>
           </a:p>
           <a:p>
             <a:endParaRPr lang="en-US" dirty="0">
+              <a:latin typeface="+mn-lt"/>
+            </a:endParaRPr>
+          </a:p>
+          <a:p>
+            <a:pPr marL="114300" indent="0">
+              <a:buNone/>
+            </a:pPr>
+            <a:r>
+              <a:rPr lang="en-US" sz="1600" b="1" dirty="0" smtClean="0">
+                <a:solidFill>
+                  <a:schemeClr val="tx1"/>
+                </a:solidFill>
+                <a:latin typeface="+mn-lt"/>
+              </a:rPr>
+              <a:t>Lifecycle:</a:t>
+            </a:r>
+          </a:p>
+          <a:p>
+            <a:pPr lvl="1">
+              <a:buFont typeface="Wingdings" panose="05000000000000000000" pitchFamily="2" charset="2"/>
+              <a:buChar char="Ø"/>
+            </a:pPr>
+            <a:r>
+              <a:rPr lang="en-US" sz="1400" dirty="0" smtClean="0"/>
+              <a:t>Constructor</a:t>
+            </a:r>
+          </a:p>
+          <a:p>
+            <a:pPr lvl="1">
+              <a:buFont typeface="Wingdings" panose="05000000000000000000" pitchFamily="2" charset="2"/>
+              <a:buChar char="Ø"/>
+            </a:pPr>
+            <a:r>
+              <a:rPr lang="en-US" sz="1400" dirty="0" err="1" smtClean="0"/>
+              <a:t>ngOnInit</a:t>
+            </a:r>
+            <a:endParaRPr lang="en-US" sz="1400" dirty="0" smtClean="0"/>
+          </a:p>
+          <a:p>
+            <a:pPr lvl="1">
+              <a:buFont typeface="Wingdings" panose="05000000000000000000" pitchFamily="2" charset="2"/>
+              <a:buChar char="Ø"/>
+            </a:pPr>
+            <a:r>
+              <a:rPr lang="en-US" sz="1400" dirty="0" err="1" smtClean="0"/>
+              <a:t>ngOnChange</a:t>
+            </a:r>
+            <a:endParaRPr lang="en-US" sz="1400" dirty="0" smtClean="0"/>
+          </a:p>
+          <a:p>
+            <a:pPr lvl="1">
+              <a:buFont typeface="Wingdings" panose="05000000000000000000" pitchFamily="2" charset="2"/>
+              <a:buChar char="Ø"/>
+            </a:pPr>
+            <a:r>
+              <a:rPr lang="en-US" sz="1400" dirty="0" err="1" smtClean="0"/>
+              <a:t>ngDocheck</a:t>
+            </a:r>
+            <a:endParaRPr lang="en-US" sz="1400" dirty="0" smtClean="0"/>
+          </a:p>
+          <a:p>
+            <a:pPr lvl="1">
+              <a:buFont typeface="Wingdings" panose="05000000000000000000" pitchFamily="2" charset="2"/>
+              <a:buChar char="Ø"/>
+            </a:pPr>
+            <a:r>
+              <a:rPr lang="en-US" sz="1400" dirty="0" err="1" smtClean="0"/>
+              <a:t>ngAfterContentInit</a:t>
+            </a:r>
+            <a:endParaRPr lang="en-US" sz="1400" dirty="0" smtClean="0"/>
+          </a:p>
+          <a:p>
+            <a:pPr lvl="1">
+              <a:buFont typeface="Wingdings" panose="05000000000000000000" pitchFamily="2" charset="2"/>
+              <a:buChar char="Ø"/>
+            </a:pPr>
+            <a:r>
+              <a:rPr lang="en-US" sz="1400" dirty="0" err="1" smtClean="0"/>
+              <a:t>ngAfterContentChecked</a:t>
+            </a:r>
+            <a:endParaRPr lang="en-US" sz="1400" dirty="0" smtClean="0"/>
+          </a:p>
+          <a:p>
+            <a:pPr lvl="1">
+              <a:buFont typeface="Wingdings" panose="05000000000000000000" pitchFamily="2" charset="2"/>
+              <a:buChar char="Ø"/>
+            </a:pPr>
+            <a:r>
+              <a:rPr lang="en-US" sz="1400" dirty="0" err="1" smtClean="0"/>
+              <a:t>ngAfterViewInit</a:t>
+            </a:r>
+            <a:endParaRPr lang="en-US" sz="1400" dirty="0" smtClean="0"/>
+          </a:p>
+          <a:p>
+            <a:pPr lvl="1">
+              <a:buFont typeface="Wingdings" panose="05000000000000000000" pitchFamily="2" charset="2"/>
+              <a:buChar char="Ø"/>
+            </a:pPr>
+            <a:r>
+              <a:rPr lang="en-US" sz="1400" dirty="0" err="1" smtClean="0"/>
+              <a:t>ngAfterViewChecked</a:t>
+            </a:r>
+            <a:endParaRPr lang="en-US" sz="1400" dirty="0" smtClean="0"/>
+          </a:p>
+          <a:p>
+            <a:pPr lvl="1">
+              <a:buFont typeface="Wingdings" panose="05000000000000000000" pitchFamily="2" charset="2"/>
+              <a:buChar char="Ø"/>
+            </a:pPr>
+            <a:r>
+              <a:rPr lang="en-US" sz="1400" dirty="0" err="1" smtClean="0"/>
+              <a:t>ngOnDestroy</a:t>
+            </a:r>
+            <a:endParaRPr lang="en-US" sz="1400" dirty="0" smtClean="0"/>
+          </a:p>
+          <a:p>
+            <a:pPr marL="971550" lvl="1" indent="-514350">
+              <a:buFont typeface="+mj-lt"/>
+              <a:buAutoNum type="arabicPeriod"/>
+            </a:pPr>
+            <a:endParaRPr lang="en-US" sz="1400" dirty="0" smtClean="0">
               <a:solidFill>
-                <a:schemeClr val="tx1"/>
+                <a:schemeClr val="tx1">
+                  <a:lumMod val="50000"/>
+                  <a:lumOff val="50000"/>
+                </a:schemeClr>
               </a:solidFill>
             </a:endParaRPr>
           </a:p>
           <a:p>
-            <a:r>
-              <a:rPr lang="en-US" dirty="0">
-                <a:solidFill>
-                  <a:schemeClr val="tx1"/>
-                </a:solidFill>
-              </a:rPr>
-              <a:t>Bootstrap it to take control of the main web </a:t>
-            </a:r>
-            <a:r>
-              <a:rPr lang="en-US" dirty="0" smtClean="0">
-                <a:solidFill>
-                  <a:schemeClr val="tx1"/>
-                </a:solidFill>
-              </a:rPr>
-              <a:t>page</a:t>
-            </a:r>
-          </a:p>
-          <a:p>
             <a:endParaRPr lang="en-US" dirty="0">
-              <a:solidFill>
-                <a:schemeClr val="tx1"/>
-              </a:solidFill>
+              <a:latin typeface="+mn-lt"/>
             </a:endParaRPr>
-          </a:p>
-          <a:p>
-            <a:r>
-              <a:rPr lang="en-US" dirty="0">
-                <a:solidFill>
-                  <a:schemeClr val="tx1"/>
-                </a:solidFill>
-              </a:rPr>
-              <a:t>Write the main page (index.html</a:t>
-            </a:r>
-            <a:r>
-              <a:rPr lang="en-US" dirty="0" smtClean="0">
-                <a:solidFill>
-                  <a:schemeClr val="tx1"/>
-                </a:solidFill>
-              </a:rPr>
-              <a:t>)</a:t>
-            </a:r>
-          </a:p>
-          <a:p>
-            <a:endParaRPr lang="en-US" dirty="0"/>
           </a:p>
           <a:p>
             <a:pPr lvl="1">
@@ -5944,7 +6109,7 @@
     </p:spTree>
     <p:extLst>
       <p:ext uri="{BB962C8B-B14F-4D97-AF65-F5344CB8AC3E}">
-        <p14:creationId xmlns:p14="http://schemas.microsoft.com/office/powerpoint/2010/main" val="2202249739"/>
+        <p14:creationId xmlns:p14="http://schemas.microsoft.com/office/powerpoint/2010/main" val="1084475065"/>
       </p:ext>
     </p:extLst>
   </p:cSld>
@@ -6309,10 +6474,14 @@
           <a:lstStyle/>
           <a:p>
             <a:r>
-              <a:rPr lang="en-US" sz="1400" dirty="0" smtClean="0"/>
-              <a:t>Component and Component lifecycle</a:t>
-            </a:r>
-            <a:endParaRPr lang="en-US" sz="1400" dirty="0"/>
+              <a:rPr lang="en-US" dirty="0" smtClean="0">
+                <a:latin typeface="+mj-lt"/>
+              </a:rPr>
+              <a:t>Directives</a:t>
+            </a:r>
+            <a:endParaRPr lang="en-US" dirty="0">
+              <a:latin typeface="+mj-lt"/>
+            </a:endParaRPr>
           </a:p>
         </p:txBody>
       </p:sp>
@@ -6331,218 +6500,123 @@
           <a:bodyPr/>
           <a:lstStyle/>
           <a:p>
-            <a:r>
-              <a:rPr lang="en-US" dirty="0">
-                <a:solidFill>
-                  <a:schemeClr val="tx1"/>
-                </a:solidFill>
-              </a:rPr>
-              <a:t>The </a:t>
-            </a:r>
-            <a:r>
-              <a:rPr lang="en-US" i="1" dirty="0">
-                <a:solidFill>
-                  <a:schemeClr val="tx1"/>
-                </a:solidFill>
-              </a:rPr>
-              <a:t>Component</a:t>
-            </a:r>
-            <a:r>
-              <a:rPr lang="en-US" dirty="0">
-                <a:solidFill>
-                  <a:schemeClr val="tx1"/>
-                </a:solidFill>
-              </a:rPr>
-              <a:t> is the most fundamental of Angular concepts</a:t>
-            </a:r>
-            <a:r>
-              <a:rPr lang="en-US" dirty="0" smtClean="0">
-                <a:solidFill>
-                  <a:schemeClr val="tx1"/>
-                </a:solidFill>
-              </a:rPr>
-              <a:t>.</a:t>
-            </a:r>
-            <a:endParaRPr lang="en-US" dirty="0">
-              <a:solidFill>
-                <a:schemeClr val="tx1"/>
-              </a:solidFill>
-            </a:endParaRPr>
-          </a:p>
-          <a:p>
-            <a:r>
-              <a:rPr lang="en-US" dirty="0">
-                <a:solidFill>
-                  <a:schemeClr val="tx1"/>
-                </a:solidFill>
-              </a:rPr>
-              <a:t> A component manages a view - a piece of the web page where we display information to the user and respond to user feedback</a:t>
-            </a:r>
-            <a:r>
-              <a:rPr lang="en-US" dirty="0" smtClean="0">
-                <a:solidFill>
-                  <a:schemeClr val="tx1"/>
-                </a:solidFill>
-              </a:rPr>
-              <a:t>.</a:t>
-            </a:r>
-            <a:endParaRPr lang="en-US" dirty="0">
-              <a:solidFill>
-                <a:schemeClr val="tx1"/>
-              </a:solidFill>
-            </a:endParaRPr>
-          </a:p>
-          <a:p>
-            <a:r>
-              <a:rPr lang="en-US" dirty="0">
-                <a:solidFill>
-                  <a:schemeClr val="tx1"/>
-                </a:solidFill>
-              </a:rPr>
-              <a:t>Technically, a component is a class that controls a view template</a:t>
-            </a:r>
-            <a:r>
-              <a:rPr lang="en-US" dirty="0" smtClean="0">
-                <a:solidFill>
-                  <a:schemeClr val="tx1"/>
-                </a:solidFill>
-              </a:rPr>
-              <a:t>.</a:t>
-            </a:r>
-          </a:p>
-          <a:p>
-            <a:endParaRPr lang="en-US" dirty="0"/>
-          </a:p>
-          <a:p>
-            <a:r>
-              <a:rPr lang="en-US" b="1" dirty="0" smtClean="0">
-                <a:solidFill>
-                  <a:schemeClr val="tx1"/>
-                </a:solidFill>
-              </a:rPr>
-              <a:t>Lifecycle:</a:t>
-            </a:r>
-          </a:p>
-          <a:p>
-            <a:pPr marL="971550" lvl="1" indent="-514350">
-              <a:buFont typeface="+mj-lt"/>
-              <a:buAutoNum type="arabicPeriod"/>
-            </a:pPr>
-            <a:r>
-              <a:rPr lang="en-US" sz="1400" dirty="0" smtClean="0"/>
-              <a:t>Constructor</a:t>
-            </a:r>
-          </a:p>
-          <a:p>
-            <a:pPr marL="971550" lvl="1" indent="-514350">
-              <a:buFont typeface="+mj-lt"/>
-              <a:buAutoNum type="arabicPeriod"/>
-            </a:pPr>
-            <a:r>
-              <a:rPr lang="en-US" sz="1400" dirty="0" err="1" smtClean="0"/>
-              <a:t>ngOnInit</a:t>
-            </a:r>
-            <a:endParaRPr lang="en-US" sz="1400" dirty="0" smtClean="0"/>
-          </a:p>
-          <a:p>
-            <a:pPr marL="971550" lvl="1" indent="-514350">
-              <a:buFont typeface="+mj-lt"/>
-              <a:buAutoNum type="arabicPeriod"/>
-            </a:pPr>
-            <a:r>
-              <a:rPr lang="en-US" sz="1400" dirty="0" err="1" smtClean="0"/>
-              <a:t>ngOnChange</a:t>
-            </a:r>
-            <a:endParaRPr lang="en-US" sz="1400" dirty="0" smtClean="0"/>
-          </a:p>
-          <a:p>
-            <a:pPr marL="971550" lvl="1" indent="-514350">
-              <a:buFont typeface="+mj-lt"/>
-              <a:buAutoNum type="arabicPeriod"/>
-            </a:pPr>
-            <a:r>
-              <a:rPr lang="en-US" sz="1400" dirty="0" err="1" smtClean="0"/>
-              <a:t>ngDocheck</a:t>
-            </a:r>
-            <a:endParaRPr lang="en-US" sz="1400" dirty="0" smtClean="0"/>
-          </a:p>
-          <a:p>
-            <a:pPr marL="971550" lvl="1" indent="-514350">
-              <a:buFont typeface="+mj-lt"/>
-              <a:buAutoNum type="arabicPeriod"/>
-            </a:pPr>
-            <a:r>
-              <a:rPr lang="en-US" sz="1400" dirty="0" err="1" smtClean="0"/>
-              <a:t>ngAfterContentInit</a:t>
-            </a:r>
-            <a:endParaRPr lang="en-US" sz="1400" dirty="0" smtClean="0"/>
-          </a:p>
-          <a:p>
-            <a:pPr marL="971550" lvl="1" indent="-514350">
-              <a:buFont typeface="+mj-lt"/>
-              <a:buAutoNum type="arabicPeriod"/>
-            </a:pPr>
-            <a:r>
-              <a:rPr lang="en-US" sz="1400" dirty="0" err="1" smtClean="0"/>
-              <a:t>ngAfterContentChecked</a:t>
-            </a:r>
-            <a:endParaRPr lang="en-US" sz="1400" dirty="0" smtClean="0"/>
-          </a:p>
-          <a:p>
-            <a:pPr marL="971550" lvl="1" indent="-514350">
-              <a:buFont typeface="+mj-lt"/>
-              <a:buAutoNum type="arabicPeriod"/>
-            </a:pPr>
-            <a:r>
-              <a:rPr lang="en-US" sz="1400" dirty="0" err="1" smtClean="0"/>
-              <a:t>ngAfterViewInit</a:t>
-            </a:r>
-            <a:endParaRPr lang="en-US" sz="1400" dirty="0" smtClean="0"/>
-          </a:p>
-          <a:p>
-            <a:pPr marL="971550" lvl="1" indent="-514350">
-              <a:buFont typeface="+mj-lt"/>
-              <a:buAutoNum type="arabicPeriod"/>
-            </a:pPr>
-            <a:r>
-              <a:rPr lang="en-US" sz="1400" dirty="0" err="1" smtClean="0"/>
-              <a:t>ngAfterViewChecked</a:t>
-            </a:r>
-            <a:endParaRPr lang="en-US" sz="1400" dirty="0" smtClean="0"/>
-          </a:p>
-          <a:p>
-            <a:pPr marL="971550" lvl="1" indent="-514350">
-              <a:buFont typeface="+mj-lt"/>
-              <a:buAutoNum type="arabicPeriod"/>
-            </a:pPr>
-            <a:r>
-              <a:rPr lang="en-US" sz="1400" dirty="0" err="1" smtClean="0"/>
-              <a:t>ngOnDestroy</a:t>
-            </a:r>
-            <a:endParaRPr lang="en-US" sz="1400" dirty="0" smtClean="0"/>
-          </a:p>
-          <a:p>
-            <a:pPr marL="971550" lvl="1" indent="-514350">
-              <a:buFont typeface="+mj-lt"/>
-              <a:buAutoNum type="arabicPeriod"/>
-            </a:pPr>
-            <a:endParaRPr lang="en-US" sz="1400" dirty="0" smtClean="0">
-              <a:solidFill>
-                <a:schemeClr val="tx1">
-                  <a:lumMod val="50000"/>
-                  <a:lumOff val="50000"/>
-                </a:schemeClr>
-              </a:solidFill>
-            </a:endParaRPr>
-          </a:p>
-          <a:p>
-            <a:endParaRPr lang="en-US" dirty="0"/>
-          </a:p>
-          <a:p>
             <a:pPr lvl="1">
               <a:buFont typeface="Arial" panose="020B0604020202020204" pitchFamily="34" charset="0"/>
               <a:buChar char="•"/>
             </a:pPr>
+            <a:r>
+              <a:rPr lang="en-US" sz="1400" dirty="0"/>
+              <a:t>Angular transforms DOM based on instruction from </a:t>
+            </a:r>
+            <a:r>
+              <a:rPr lang="en-US" sz="1400" dirty="0" smtClean="0"/>
+              <a:t>directives</a:t>
+            </a:r>
+          </a:p>
+          <a:p>
+            <a:pPr lvl="1">
+              <a:buFont typeface="Arial" panose="020B0604020202020204" pitchFamily="34" charset="0"/>
+              <a:buChar char="•"/>
+            </a:pPr>
+            <a:endParaRPr lang="en-US" sz="1400" dirty="0"/>
+          </a:p>
+          <a:p>
+            <a:pPr lvl="1">
+              <a:buFont typeface="Arial" panose="020B0604020202020204" pitchFamily="34" charset="0"/>
+              <a:buChar char="•"/>
+            </a:pPr>
+            <a:r>
+              <a:rPr lang="en-US" sz="1400" dirty="0"/>
+              <a:t>Built in directives</a:t>
+            </a:r>
+            <a:endParaRPr lang="sr-Latn-RS" sz="1400" dirty="0"/>
+          </a:p>
+          <a:p>
+            <a:pPr lvl="2">
+              <a:buFont typeface="Wingdings" panose="05000000000000000000" pitchFamily="2" charset="2"/>
+              <a:buChar char="Ø"/>
+            </a:pPr>
+            <a:r>
+              <a:rPr lang="en-US" sz="1400" dirty="0"/>
+              <a:t>Attribute directives</a:t>
+            </a:r>
+            <a:endParaRPr lang="sr-Latn-RS" sz="1400" dirty="0"/>
+          </a:p>
+          <a:p>
+            <a:pPr lvl="3">
+              <a:buFont typeface="Wingdings" panose="05000000000000000000" pitchFamily="2" charset="2"/>
+              <a:buChar char="Ø"/>
+            </a:pPr>
+            <a:r>
+              <a:rPr lang="sr-Latn-RS" sz="1400" dirty="0"/>
+              <a:t>ngStyle, ngClass – </a:t>
+            </a:r>
+            <a:r>
+              <a:rPr lang="en-US" sz="1400" dirty="0"/>
+              <a:t>[</a:t>
+            </a:r>
+            <a:r>
+              <a:rPr lang="en-US" sz="1400" dirty="0" err="1"/>
+              <a:t>class.ClassName</a:t>
+            </a:r>
+            <a:r>
+              <a:rPr lang="en-US" sz="1400" dirty="0"/>
+              <a:t>], [</a:t>
+            </a:r>
+            <a:r>
+              <a:rPr lang="en-US" sz="1400" dirty="0" err="1"/>
+              <a:t>style.color</a:t>
+            </a:r>
+            <a:r>
+              <a:rPr lang="en-US" sz="1400" dirty="0"/>
+              <a:t>]</a:t>
+            </a:r>
+            <a:r>
+              <a:rPr lang="sr-Latn-RS" sz="1400" dirty="0"/>
+              <a:t> </a:t>
+            </a:r>
+          </a:p>
+          <a:p>
+            <a:pPr lvl="2">
+              <a:buFont typeface="Wingdings" panose="05000000000000000000" pitchFamily="2" charset="2"/>
+              <a:buChar char="Ø"/>
+            </a:pPr>
+            <a:r>
+              <a:rPr lang="en-US" sz="1400" dirty="0"/>
+              <a:t>Structural directives</a:t>
+            </a:r>
+          </a:p>
+          <a:p>
+            <a:pPr lvl="3">
+              <a:buFont typeface="Wingdings" panose="05000000000000000000" pitchFamily="2" charset="2"/>
+              <a:buChar char="Ø"/>
+            </a:pPr>
+            <a:r>
+              <a:rPr lang="en-US" sz="1400" dirty="0"/>
+              <a:t>They change DOM</a:t>
+            </a:r>
+          </a:p>
+          <a:p>
+            <a:pPr lvl="3">
+              <a:buFont typeface="Wingdings" panose="05000000000000000000" pitchFamily="2" charset="2"/>
+              <a:buChar char="Ø"/>
+            </a:pPr>
+            <a:r>
+              <a:rPr lang="en-US" sz="1400" dirty="0"/>
+              <a:t>*</a:t>
+            </a:r>
+            <a:r>
+              <a:rPr lang="en-US" sz="1400" dirty="0" err="1"/>
+              <a:t>ngIf</a:t>
+            </a:r>
+            <a:r>
+              <a:rPr lang="en-US" sz="1400" dirty="0"/>
+              <a:t>, *</a:t>
+            </a:r>
+            <a:r>
+              <a:rPr lang="en-US" sz="1400" dirty="0" err="1"/>
+              <a:t>ngFor</a:t>
+            </a:r>
             <a:endParaRPr lang="sr-Latn-RS" sz="1400" dirty="0"/>
           </a:p>
         </p:txBody>
@@ -6575,7 +6649,7 @@
     </p:spTree>
     <p:extLst>
       <p:ext uri="{BB962C8B-B14F-4D97-AF65-F5344CB8AC3E}">
-        <p14:creationId xmlns:p14="http://schemas.microsoft.com/office/powerpoint/2010/main" val="1084475065"/>
+        <p14:creationId xmlns:p14="http://schemas.microsoft.com/office/powerpoint/2010/main" val="2828931485"/>
       </p:ext>
     </p:extLst>
   </p:cSld>
@@ -6940,10 +7014,11 @@
           <a:lstStyle/>
           <a:p>
             <a:r>
-              <a:rPr lang="en-US" sz="1400" dirty="0" smtClean="0"/>
-              <a:t>Directives</a:t>
-            </a:r>
-            <a:endParaRPr lang="en-US" sz="1400" dirty="0"/>
+              <a:rPr lang="en-US" dirty="0">
+                <a:latin typeface="+mj-lt"/>
+              </a:rPr>
+              <a:t>Data binding</a:t>
+            </a:r>
           </a:p>
         </p:txBody>
       </p:sp>
@@ -6962,117 +7037,135 @@
           <a:bodyPr/>
           <a:lstStyle/>
           <a:p>
-            <a:pPr marL="800100" lvl="1" indent="-342900">
-              <a:buFont typeface="+mj-lt"/>
-              <a:buAutoNum type="arabicPeriod"/>
+            <a:pPr lvl="1">
+              <a:buFont typeface="Arial" panose="020B0604020202020204" pitchFamily="34" charset="0"/>
+              <a:buChar char="•"/>
             </a:pPr>
             <a:r>
               <a:rPr lang="en-US" sz="1400" dirty="0"/>
-              <a:t>Angular transforms DOM based on instruction from </a:t>
+              <a:t>Used for coordination of communication between component and </a:t>
             </a:r>
             <a:r>
               <a:rPr lang="en-US" sz="1400" dirty="0" smtClean="0"/>
-              <a:t>directives</a:t>
-            </a:r>
-          </a:p>
-          <a:p>
-            <a:pPr marL="800100" lvl="1" indent="-342900">
-              <a:buFont typeface="+mj-lt"/>
-              <a:buAutoNum type="arabicPeriod"/>
+              <a:t>template</a:t>
+            </a:r>
+          </a:p>
+          <a:p>
+            <a:pPr lvl="1">
+              <a:buFont typeface="Arial" panose="020B0604020202020204" pitchFamily="34" charset="0"/>
+              <a:buChar char="•"/>
+            </a:pPr>
+            <a:endParaRPr lang="en-US" sz="1400" dirty="0" smtClean="0"/>
+          </a:p>
+          <a:p>
+            <a:pPr lvl="1">
+              <a:buFont typeface="Arial" panose="020B0604020202020204" pitchFamily="34" charset="0"/>
+              <a:buChar char="•"/>
+            </a:pPr>
+            <a:r>
+              <a:rPr lang="en-US" sz="1400" dirty="0"/>
+              <a:t>One way data binding</a:t>
+            </a:r>
+          </a:p>
+          <a:p>
+            <a:pPr lvl="2">
+              <a:buFont typeface="Wingdings" panose="05000000000000000000" pitchFamily="2" charset="2"/>
+              <a:buChar char="Ø"/>
+            </a:pPr>
+            <a:r>
+              <a:rPr lang="en-US" sz="1400" dirty="0"/>
+              <a:t>Event biding(Template &gt; Component)</a:t>
+            </a:r>
+          </a:p>
+          <a:p>
+            <a:pPr lvl="3">
+              <a:buFont typeface="Wingdings" panose="05000000000000000000" pitchFamily="2" charset="2"/>
+              <a:buChar char="Ø"/>
+            </a:pPr>
+            <a:r>
+              <a:rPr lang="en-US" sz="1400" dirty="0"/>
+              <a:t>( ) are </a:t>
+            </a:r>
+            <a:r>
+              <a:rPr lang="en-US" sz="1400" dirty="0" smtClean="0"/>
+              <a:t>used</a:t>
+            </a:r>
+          </a:p>
+          <a:p>
+            <a:pPr lvl="3">
+              <a:buFont typeface="Wingdings" panose="05000000000000000000" pitchFamily="2" charset="2"/>
+              <a:buChar char="Ø"/>
             </a:pPr>
             <a:endParaRPr lang="en-US" sz="1400" dirty="0"/>
           </a:p>
           <a:p>
-            <a:pPr marL="800100" lvl="1" indent="-342900">
-              <a:buFont typeface="+mj-lt"/>
-              <a:buAutoNum type="arabicPeriod"/>
+            <a:pPr lvl="3">
+              <a:buFont typeface="Wingdings" panose="05000000000000000000" pitchFamily="2" charset="2"/>
+              <a:buChar char="Ø"/>
             </a:pPr>
             <a:r>
               <a:rPr lang="en-US" sz="1400" dirty="0"/>
-              <a:t>Built in directives</a:t>
-            </a:r>
-            <a:endParaRPr lang="sr-Latn-RS" sz="1400" dirty="0"/>
-          </a:p>
-          <a:p>
-            <a:pPr lvl="2"/>
+              <a:t>Events like clicked, mouse enter, </a:t>
+            </a:r>
+            <a:r>
+              <a:rPr lang="en-US" sz="1400" dirty="0" smtClean="0"/>
+              <a:t>changed</a:t>
+            </a:r>
             <a:r>
               <a:rPr lang="en-US" sz="1400" dirty="0"/>
-              <a:t>Attribute directives</a:t>
-            </a:r>
-            <a:endParaRPr lang="sr-Latn-RS" sz="1400" dirty="0"/>
+              <a:t>.</a:t>
+            </a:r>
+            <a:endParaRPr lang="en-US" sz="1400" dirty="0" smtClean="0"/>
           </a:p>
           <a:p>
             <a:pPr lvl="3">
               <a:buFont typeface="Arial" panose="020B0604020202020204" pitchFamily="34" charset="0"/>
               <a:buChar char="•"/>
             </a:pPr>
-            <a:r>
-              <a:rPr lang="sr-Latn-RS" sz="1400" dirty="0"/>
-              <a:t>ngStyle, ngClass – </a:t>
-            </a:r>
-            <a:r>
-              <a:rPr lang="en-US" sz="1400" dirty="0"/>
-              <a:t>[</a:t>
-            </a:r>
-            <a:r>
-              <a:rPr lang="en-US" sz="1400" dirty="0" err="1"/>
-              <a:t>class.ClassName</a:t>
-            </a:r>
-            <a:r>
-              <a:rPr lang="en-US" sz="1400" dirty="0"/>
-              <a:t>], [</a:t>
-            </a:r>
-            <a:r>
-              <a:rPr lang="en-US" sz="1400" dirty="0" err="1"/>
-              <a:t>style.color</a:t>
-            </a:r>
-            <a:r>
-              <a:rPr lang="en-US" sz="1400" dirty="0"/>
-              <a:t>]</a:t>
-            </a:r>
-            <a:r>
-              <a:rPr lang="sr-Latn-RS" sz="1400" dirty="0"/>
-              <a:t> </a:t>
-            </a:r>
-          </a:p>
-          <a:p>
-            <a:pPr lvl="2"/>
-            <a:r>
-              <a:rPr lang="en-US" sz="1400" dirty="0"/>
-              <a:t>Structural directives</a:t>
-            </a:r>
-          </a:p>
-          <a:p>
-            <a:pPr lvl="3">
+            <a:endParaRPr lang="en-US" sz="1400" dirty="0"/>
+          </a:p>
+          <a:p>
+            <a:pPr lvl="1">
               <a:buFont typeface="Arial" panose="020B0604020202020204" pitchFamily="34" charset="0"/>
               <a:buChar char="•"/>
             </a:pPr>
             <a:r>
               <a:rPr lang="en-US" sz="1400" dirty="0"/>
-              <a:t>They change DOM</a:t>
-            </a:r>
-          </a:p>
-          <a:p>
-            <a:pPr lvl="3">
-              <a:buFont typeface="Arial" panose="020B0604020202020204" pitchFamily="34" charset="0"/>
-              <a:buChar char="•"/>
+              <a:t>Two way data binding</a:t>
+            </a:r>
+          </a:p>
+          <a:p>
+            <a:pPr lvl="2">
+              <a:buFont typeface="Wingdings" panose="05000000000000000000" pitchFamily="2" charset="2"/>
+              <a:buChar char="Ø"/>
             </a:pPr>
             <a:r>
               <a:rPr lang="en-US" sz="1400" dirty="0"/>
-              <a:t>*</a:t>
-            </a:r>
-            <a:r>
-              <a:rPr lang="en-US" sz="1400" dirty="0" err="1"/>
-              <a:t>ngIf</a:t>
-            </a:r>
+              <a:t>Sends values from component to template, and returns changed values from template to </a:t>
+            </a:r>
+            <a:r>
+              <a:rPr lang="en-US" sz="1400" dirty="0" smtClean="0"/>
+              <a:t>component</a:t>
+            </a:r>
+          </a:p>
+          <a:p>
+            <a:pPr marL="914400" lvl="2" indent="0">
+              <a:buNone/>
+            </a:pPr>
+            <a:endParaRPr lang="sr-Latn-RS" sz="1400" dirty="0"/>
+          </a:p>
+          <a:p>
+            <a:pPr lvl="2">
+              <a:buFont typeface="Wingdings" panose="05000000000000000000" pitchFamily="2" charset="2"/>
+              <a:buChar char="Ø"/>
+            </a:pPr>
             <a:r>
               <a:rPr lang="en-US" sz="1400" dirty="0"/>
-              <a:t>, *</a:t>
-            </a:r>
-            <a:r>
-              <a:rPr lang="en-US" sz="1400" dirty="0" err="1"/>
-              <a:t>ngFor</a:t>
-            </a:r>
+              <a:t>[( )]</a:t>
+            </a:r>
+          </a:p>
+          <a:p>
+            <a:pPr lvl="1"/>
             <a:endParaRPr lang="sr-Latn-RS" sz="1400" dirty="0"/>
           </a:p>
         </p:txBody>
@@ -7105,7 +7198,7 @@
     </p:spTree>
     <p:extLst>
       <p:ext uri="{BB962C8B-B14F-4D97-AF65-F5344CB8AC3E}">
-        <p14:creationId xmlns:p14="http://schemas.microsoft.com/office/powerpoint/2010/main" val="2828931485"/>
+        <p14:creationId xmlns:p14="http://schemas.microsoft.com/office/powerpoint/2010/main" val="2144624382"/>
       </p:ext>
     </p:extLst>
   </p:cSld>
@@ -7470,8 +7563,10 @@
           <a:lstStyle/>
           <a:p>
             <a:r>
-              <a:rPr lang="en-US" sz="1400" dirty="0"/>
-              <a:t>Data binding</a:t>
+              <a:rPr lang="en-US" dirty="0">
+                <a:latin typeface="+mj-lt"/>
+              </a:rPr>
+              <a:t>Component communication</a:t>
             </a:r>
           </a:p>
         </p:txBody>
@@ -7496,12 +7591,12 @@
               <a:buChar char="•"/>
             </a:pPr>
             <a:r>
-              <a:rPr lang="en-US" sz="1400" dirty="0"/>
-              <a:t>Used for coordination of communication between component and </a:t>
-            </a:r>
-            <a:r>
               <a:rPr lang="en-US" sz="1400" dirty="0" smtClean="0"/>
-              <a:t>template</a:t>
+              <a:t>@</a:t>
+            </a:r>
+            <a:r>
+              <a:rPr lang="en-US" sz="1400" dirty="0" smtClean="0"/>
+              <a:t>Input</a:t>
             </a:r>
           </a:p>
           <a:p>
@@ -7512,51 +7607,25 @@
             <a:endParaRPr lang="en-US" sz="1400" dirty="0" smtClean="0"/>
           </a:p>
           <a:p>
+            <a:pPr lvl="2">
+              <a:buFont typeface="Wingdings" panose="05000000000000000000" pitchFamily="2" charset="2"/>
+              <a:buChar char="Ø"/>
+            </a:pPr>
+            <a:r>
+              <a:rPr lang="en-US" sz="1400" dirty="0" smtClean="0"/>
+              <a:t>It is </a:t>
+            </a:r>
+            <a:r>
+              <a:rPr lang="en-US" sz="1400" dirty="0"/>
+              <a:t>used to define an input property to achieve component property binding</a:t>
+            </a:r>
+            <a:endParaRPr lang="en-US" sz="1400" dirty="0" smtClean="0"/>
+          </a:p>
+          <a:p>
             <a:pPr lvl="1">
               <a:buFont typeface="Arial" panose="020B0604020202020204" pitchFamily="34" charset="0"/>
               <a:buChar char="•"/>
             </a:pPr>
-            <a:r>
-              <a:rPr lang="en-US" sz="1400" dirty="0"/>
-              <a:t>One way data binding</a:t>
-            </a:r>
-          </a:p>
-          <a:p>
-            <a:pPr lvl="2"/>
-            <a:r>
-              <a:rPr lang="en-US" sz="1400" dirty="0"/>
-              <a:t>Event biding(Template &gt; Component)</a:t>
-            </a:r>
-          </a:p>
-          <a:p>
-            <a:pPr lvl="3">
-              <a:buFont typeface="Arial" panose="020B0604020202020204" pitchFamily="34" charset="0"/>
-              <a:buChar char="•"/>
-            </a:pPr>
-            <a:r>
-              <a:rPr lang="en-US" sz="1400" dirty="0"/>
-              <a:t>( ) are used</a:t>
-            </a:r>
-          </a:p>
-          <a:p>
-            <a:pPr lvl="3">
-              <a:buFont typeface="Arial" panose="020B0604020202020204" pitchFamily="34" charset="0"/>
-              <a:buChar char="•"/>
-            </a:pPr>
-            <a:r>
-              <a:rPr lang="en-US" sz="1400" dirty="0"/>
-              <a:t>Events like clicked, mouse enter, changed</a:t>
-            </a:r>
-            <a:r>
-              <a:rPr lang="en-US" sz="1400" dirty="0" smtClean="0"/>
-              <a:t>…</a:t>
-            </a:r>
-          </a:p>
-          <a:p>
-            <a:pPr lvl="3">
-              <a:buFont typeface="Arial" panose="020B0604020202020204" pitchFamily="34" charset="0"/>
-              <a:buChar char="•"/>
-            </a:pPr>
             <a:endParaRPr lang="en-US" sz="1400" dirty="0"/>
           </a:p>
           <a:p>
@@ -7565,27 +7634,69 @@
               <a:buChar char="•"/>
             </a:pPr>
             <a:r>
+              <a:rPr lang="en-US" sz="1400" dirty="0" smtClean="0"/>
+              <a:t>@</a:t>
+            </a:r>
+            <a:r>
+              <a:rPr lang="en-US" sz="1400" dirty="0" smtClean="0"/>
+              <a:t>Output</a:t>
+            </a:r>
+          </a:p>
+          <a:p>
+            <a:pPr marL="457200" lvl="1" indent="0">
+              <a:buNone/>
+            </a:pPr>
+            <a:endParaRPr lang="en-US" sz="1400" dirty="0" smtClean="0"/>
+          </a:p>
+          <a:p>
+            <a:pPr lvl="2">
+              <a:buFont typeface="Wingdings" panose="05000000000000000000" pitchFamily="2" charset="2"/>
+              <a:buChar char="Ø"/>
+            </a:pPr>
+            <a:r>
+              <a:rPr lang="en-US" sz="1400" dirty="0" smtClean="0"/>
+              <a:t>It is </a:t>
+            </a:r>
+            <a:r>
               <a:rPr lang="en-US" sz="1400" dirty="0"/>
-              <a:t>Two way data binding</a:t>
-            </a:r>
-          </a:p>
-          <a:p>
-            <a:pPr lvl="2"/>
+              <a:t>used to define output </a:t>
+            </a:r>
+            <a:r>
+              <a:rPr lang="en-US" sz="1400" dirty="0" smtClean="0"/>
+              <a:t>property </a:t>
+            </a:r>
             <a:r>
               <a:rPr lang="en-US" sz="1400" dirty="0"/>
-              <a:t>Sends values from component to template, and returns changed values from template to component</a:t>
-            </a:r>
-            <a:endParaRPr lang="sr-Latn-RS" sz="1400" dirty="0"/>
-          </a:p>
-          <a:p>
-            <a:pPr lvl="2"/>
+              <a:t>to achieve custom event </a:t>
+            </a:r>
+            <a:r>
+              <a:rPr lang="en-US" sz="1400" dirty="0" smtClean="0"/>
+              <a:t>binding</a:t>
+            </a:r>
+          </a:p>
+          <a:p>
+            <a:pPr marL="914400" lvl="2" indent="0">
+              <a:buNone/>
+            </a:pPr>
+            <a:endParaRPr lang="en-US" sz="1400" dirty="0" smtClean="0"/>
+          </a:p>
+          <a:p>
+            <a:pPr lvl="2">
+              <a:buFont typeface="Wingdings" panose="05000000000000000000" pitchFamily="2" charset="2"/>
+              <a:buChar char="Ø"/>
+            </a:pPr>
+            <a:r>
+              <a:rPr lang="en-US" sz="1400" dirty="0" smtClean="0"/>
+              <a:t>@Output will </a:t>
+            </a:r>
             <a:r>
               <a:rPr lang="en-US" sz="1400" dirty="0"/>
-              <a:t>[( )]</a:t>
-            </a:r>
-          </a:p>
-          <a:p>
-            <a:pPr lvl="1"/>
+              <a:t>be used with the instance of </a:t>
+            </a:r>
+            <a:r>
+              <a:rPr lang="en-US" sz="1400" dirty="0" err="1"/>
+              <a:t>EventEmitter</a:t>
+            </a:r>
             <a:endParaRPr lang="sr-Latn-RS" sz="1400" dirty="0"/>
           </a:p>
         </p:txBody>
@@ -7618,7 +7729,7 @@
     </p:spTree>
     <p:extLst>
       <p:ext uri="{BB962C8B-B14F-4D97-AF65-F5344CB8AC3E}">
-        <p14:creationId xmlns:p14="http://schemas.microsoft.com/office/powerpoint/2010/main" val="2144624382"/>
+        <p14:creationId xmlns:p14="http://schemas.microsoft.com/office/powerpoint/2010/main" val="27306854"/>
       </p:ext>
     </p:extLst>
   </p:cSld>
@@ -7983,9 +8094,14 @@
           <a:lstStyle/>
           <a:p>
             <a:r>
-              <a:rPr lang="en-US" sz="1400" dirty="0"/>
-              <a:t>Nesting components, passing Data to components children and Sending events to parents</a:t>
-            </a:r>
+              <a:rPr lang="en-US" dirty="0" smtClean="0">
+                <a:latin typeface="+mj-lt"/>
+              </a:rPr>
+              <a:t>HTTP</a:t>
+            </a:r>
+            <a:endParaRPr lang="en-US" dirty="0">
+              <a:latin typeface="+mj-lt"/>
+            </a:endParaRPr>
           </a:p>
         </p:txBody>
       </p:sp>
@@ -8009,21 +8125,21 @@
               <a:buChar char="•"/>
             </a:pPr>
             <a:r>
+              <a:rPr lang="en-US" sz="1400" dirty="0"/>
+              <a:t>Service that allows data </a:t>
+            </a:r>
+            <a:r>
               <a:rPr lang="en-US" sz="1400" dirty="0" smtClean="0"/>
-              <a:t>@Input</a:t>
-            </a:r>
-          </a:p>
-          <a:p>
-            <a:pPr lvl="2"/>
+              <a:t>to </a:t>
+            </a:r>
+            <a:r>
+              <a:rPr lang="en-US" sz="1400" dirty="0"/>
+              <a:t>be returned or saved using Promises or </a:t>
+            </a:r>
             <a:r>
               <a:rPr lang="en-US" sz="1400" dirty="0" smtClean="0"/>
-              <a:t>It is </a:t>
-            </a:r>
-            <a:r>
-              <a:rPr lang="en-US" sz="1400" dirty="0"/>
-              <a:t>used to define an input property to achieve component property binding</a:t>
-            </a:r>
-            <a:endParaRPr lang="en-US" sz="1400" dirty="0" smtClean="0"/>
+              <a:t>Observables</a:t>
+            </a:r>
           </a:p>
           <a:p>
             <a:pPr lvl="1">
@@ -8038,47 +8154,70 @@
               <a:buChar char="•"/>
             </a:pPr>
             <a:r>
+              <a:rPr lang="sr-Latn-RS" sz="1400" dirty="0"/>
+              <a:t>RxJs (Reactive Js) </a:t>
+            </a:r>
+          </a:p>
+          <a:p>
+            <a:pPr lvl="1">
+              <a:buFont typeface="Arial" panose="020B0604020202020204" pitchFamily="34" charset="0"/>
+              <a:buChar char="•"/>
+            </a:pPr>
+            <a:endParaRPr lang="sr-Latn-RS" sz="1400" dirty="0"/>
+          </a:p>
+          <a:p>
+            <a:pPr lvl="1">
+              <a:buFont typeface="Arial" panose="020B0604020202020204" pitchFamily="34" charset="0"/>
+              <a:buChar char="•"/>
+            </a:pPr>
+            <a:r>
+              <a:rPr lang="sr-Latn-RS" sz="1400" dirty="0" smtClean="0"/>
+              <a:t>Observables</a:t>
+            </a:r>
+            <a:endParaRPr lang="en-US" sz="1400" dirty="0" smtClean="0"/>
+          </a:p>
+          <a:p>
+            <a:pPr marL="457200" lvl="1" indent="0">
+              <a:buNone/>
+            </a:pPr>
+            <a:endParaRPr lang="sr-Latn-RS" sz="1400" dirty="0"/>
+          </a:p>
+          <a:p>
+            <a:pPr lvl="2">
+              <a:buFont typeface="Wingdings" panose="05000000000000000000" pitchFamily="2" charset="2"/>
+              <a:buChar char="Ø"/>
+            </a:pPr>
+            <a:r>
+              <a:rPr lang="en-US" sz="1400" dirty="0"/>
+              <a:t>You need to subscribe to an </a:t>
+            </a:r>
+            <a:r>
               <a:rPr lang="en-US" sz="1400" dirty="0" smtClean="0"/>
-              <a:t>@Output</a:t>
-            </a:r>
-          </a:p>
-          <a:p>
-            <a:pPr lvl="2"/>
-            <a:r>
-              <a:rPr lang="en-US" sz="1400" dirty="0" smtClean="0"/>
-              <a:t>It is </a:t>
-            </a:r>
+              <a:t>observable</a:t>
+            </a:r>
+          </a:p>
+          <a:p>
+            <a:pPr marL="914400" lvl="2" indent="0">
+              <a:buNone/>
+            </a:pPr>
+            <a:endParaRPr lang="sr-Latn-RS" sz="1400" dirty="0"/>
+          </a:p>
+          <a:p>
+            <a:pPr lvl="2">
+              <a:buFont typeface="Wingdings" panose="05000000000000000000" pitchFamily="2" charset="2"/>
+              <a:buChar char="Ø"/>
+            </a:pPr>
             <a:r>
               <a:rPr lang="en-US" sz="1400" dirty="0"/>
-              <a:t>used to define output </a:t>
-            </a:r>
-            <a:r>
-              <a:rPr lang="en-US" sz="1400" dirty="0" smtClean="0"/>
-              <a:t>property </a:t>
-            </a:r>
-            <a:r>
-              <a:rPr lang="en-US" sz="1400" dirty="0"/>
-              <a:t>to achieve custom event </a:t>
-            </a:r>
-            <a:r>
-              <a:rPr lang="en-US" sz="1400" dirty="0" smtClean="0"/>
-              <a:t>binding</a:t>
-            </a:r>
-          </a:p>
-          <a:p>
-            <a:pPr lvl="2"/>
-            <a:r>
-              <a:rPr lang="en-US" sz="1400" dirty="0" smtClean="0"/>
-              <a:t>@Output will </a:t>
-            </a:r>
-            <a:r>
-              <a:rPr lang="en-US" sz="1400" dirty="0"/>
-              <a:t>be used with the instance of </a:t>
-            </a:r>
-            <a:r>
-              <a:rPr lang="en-US" sz="1400" dirty="0" err="1"/>
-              <a:t>EventEmitter</a:t>
-            </a:r>
+              <a:t>If something is changes observable notifies all subscribed parts</a:t>
+            </a:r>
+            <a:endParaRPr lang="sr-Latn-RS" sz="1400" dirty="0"/>
+          </a:p>
+          <a:p>
+            <a:pPr lvl="1">
+              <a:buFont typeface="Arial" panose="020B0604020202020204" pitchFamily="34" charset="0"/>
+              <a:buChar char="•"/>
+            </a:pPr>
             <a:endParaRPr lang="sr-Latn-RS" sz="1400" dirty="0"/>
           </a:p>
         </p:txBody>
@@ -8111,7 +8250,7 @@
     </p:spTree>
     <p:extLst>
       <p:ext uri="{BB962C8B-B14F-4D97-AF65-F5344CB8AC3E}">
-        <p14:creationId xmlns:p14="http://schemas.microsoft.com/office/powerpoint/2010/main" val="27306854"/>
+        <p14:creationId xmlns:p14="http://schemas.microsoft.com/office/powerpoint/2010/main" val="1157610054"/>
       </p:ext>
     </p:extLst>
   </p:cSld>
@@ -8476,10 +8615,14 @@
           <a:lstStyle/>
           <a:p>
             <a:r>
-              <a:rPr lang="en-US" sz="1400" dirty="0" smtClean="0"/>
-              <a:t>HTTP</a:t>
-            </a:r>
-            <a:endParaRPr lang="en-US" sz="1400" dirty="0"/>
+              <a:rPr lang="en-US" dirty="0" smtClean="0">
+                <a:latin typeface="+mj-lt"/>
+              </a:rPr>
+              <a:t>Forms</a:t>
+            </a:r>
+            <a:endParaRPr lang="en-US" dirty="0">
+              <a:latin typeface="+mj-lt"/>
+            </a:endParaRPr>
           </a:p>
         </p:txBody>
       </p:sp>
@@ -8504,546 +8647,53 @@
             </a:pPr>
             <a:r>
               <a:rPr lang="en-US" sz="1400" dirty="0"/>
-              <a:t>Service that allows data </a:t>
+              <a:t>Angular offers two form-building technologies: </a:t>
+            </a:r>
+            <a:r>
+              <a:rPr lang="en-US" sz="1400" b="1" dirty="0"/>
+              <a:t>R</a:t>
+            </a:r>
+            <a:r>
+              <a:rPr lang="en-US" sz="1400" b="1" dirty="0" smtClean="0"/>
+              <a:t>eactive</a:t>
+            </a:r>
+            <a:r>
+              <a:rPr lang="en-US" sz="1400" b="1" dirty="0"/>
+              <a:t> forms </a:t>
+            </a:r>
+            <a:r>
+              <a:rPr lang="en-US" sz="1400" b="1" dirty="0" smtClean="0"/>
+              <a:t>or Model Driven </a:t>
             </a:r>
             <a:r>
               <a:rPr lang="en-US" sz="1400" dirty="0" smtClean="0"/>
-              <a:t>to </a:t>
+              <a:t>and</a:t>
             </a:r>
             <a:r>
               <a:rPr lang="en-US" sz="1400" dirty="0"/>
-              <a:t>be returned or saved using Promises or </a:t>
-            </a:r>
-            <a:r>
-              <a:rPr lang="en-US" sz="1400" dirty="0" smtClean="0"/>
-              <a:t>Observables</a:t>
-            </a:r>
+              <a:t> </a:t>
+            </a:r>
+            <a:r>
+              <a:rPr lang="en-US" sz="1400" b="1" dirty="0"/>
+              <a:t>template-driven forms.</a:t>
+            </a:r>
+            <a:r>
+              <a:rPr lang="en-US" sz="1400" dirty="0"/>
+              <a:t> </a:t>
+            </a:r>
+            <a:endParaRPr lang="en-US" sz="1400" dirty="0" smtClean="0"/>
+          </a:p>
+          <a:p>
+            <a:pPr marL="457200" lvl="1" indent="0">
+              <a:buNone/>
+            </a:pPr>
+            <a:endParaRPr lang="en-US" sz="1400" dirty="0" smtClean="0"/>
           </a:p>
           <a:p>
             <a:pPr lvl="1">
               <a:buFont typeface="Arial" panose="020B0604020202020204" pitchFamily="34" charset="0"/>
               <a:buChar char="•"/>
             </a:pPr>
-            <a:endParaRPr lang="en-US" sz="1400" dirty="0"/>
-          </a:p>
-          <a:p>
-            <a:pPr lvl="1">
-              <a:buFont typeface="Arial" panose="020B0604020202020204" pitchFamily="34" charset="0"/>
-              <a:buChar char="•"/>
-            </a:pPr>
-            <a:r>
-              <a:rPr lang="sr-Latn-RS" sz="1400" dirty="0"/>
-              <a:t>RxJs (Reactive Js) </a:t>
-            </a:r>
-          </a:p>
-          <a:p>
-            <a:pPr lvl="1">
-              <a:buFont typeface="Arial" panose="020B0604020202020204" pitchFamily="34" charset="0"/>
-              <a:buChar char="•"/>
-            </a:pPr>
-            <a:endParaRPr lang="sr-Latn-RS" sz="1400" dirty="0"/>
-          </a:p>
-          <a:p>
-            <a:pPr lvl="1">
-              <a:buFont typeface="Arial" panose="020B0604020202020204" pitchFamily="34" charset="0"/>
-              <a:buChar char="•"/>
-            </a:pPr>
-            <a:r>
-              <a:rPr lang="sr-Latn-RS" sz="1400" dirty="0"/>
-              <a:t>Observables </a:t>
-            </a:r>
-          </a:p>
-          <a:p>
-            <a:pPr lvl="2"/>
-            <a:r>
-              <a:rPr lang="en-US" sz="1400" dirty="0"/>
-              <a:t>You need to subscribe to an observable</a:t>
-            </a:r>
-            <a:endParaRPr lang="sr-Latn-RS" sz="1400" dirty="0"/>
-          </a:p>
-          <a:p>
-            <a:pPr lvl="2"/>
-            <a:r>
-              <a:rPr lang="en-US" sz="1400" dirty="0"/>
-              <a:t>If something is changes observable notifies all subscribed parts</a:t>
-            </a:r>
-            <a:endParaRPr lang="sr-Latn-RS" sz="1400" dirty="0"/>
-          </a:p>
-          <a:p>
-            <a:pPr lvl="1">
-              <a:buFont typeface="Arial" panose="020B0604020202020204" pitchFamily="34" charset="0"/>
-              <a:buChar char="•"/>
-            </a:pPr>
-            <a:endParaRPr lang="sr-Latn-RS" sz="1400" dirty="0"/>
-          </a:p>
-        </p:txBody>
-      </p:sp>
-      <p:sp>
-        <p:nvSpPr>
-          <p:cNvPr id="2" name="Rectangle 1"/>
-          <p:cNvSpPr/>
-          <p:nvPr/>
-        </p:nvSpPr>
-        <p:spPr>
-          <a:xfrm>
-            <a:off x="2514600" y="2505760"/>
-            <a:ext cx="5029200" cy="369332"/>
-          </a:xfrm>
-          <a:prstGeom prst="rect">
-            <a:avLst/>
-          </a:prstGeom>
-        </p:spPr>
-        <p:txBody>
-          <a:bodyPr>
-            <a:spAutoFit/>
-          </a:bodyPr>
-          <a:lstStyle/>
-          <a:p>
-            <a:endParaRPr lang="en-US" dirty="0"/>
-          </a:p>
-        </p:txBody>
-      </p:sp>
-    </p:spTree>
-    <p:extLst>
-      <p:ext uri="{BB962C8B-B14F-4D97-AF65-F5344CB8AC3E}">
-        <p14:creationId xmlns:p14="http://schemas.microsoft.com/office/powerpoint/2010/main" val="1157610054"/>
-      </p:ext>
-    </p:extLst>
-  </p:cSld>
-  <p:clrMapOvr>
-    <a:masterClrMapping/>
-  </p:clrMapOvr>
-  <p:transition spd="slow">
-    <p:wipe/>
-  </p:transition>
-  <p:timing>
-    <p:tnLst>
-      <p:par>
-        <p:cTn id="1" dur="indefinite" restart="never" nodeType="tmRoot"/>
-      </p:par>
-    </p:tnLst>
-  </p:timing>
-</p:sld>
-</file>
-
-<file path=ppt/slides/slide16.xml><?xml version="1.0" encoding="utf-8"?>
-<p:sld xmlns:a="http://schemas.openxmlformats.org/drawingml/2006/main" xmlns:r="http://schemas.openxmlformats.org/officeDocument/2006/relationships" xmlns:p="http://schemas.openxmlformats.org/presentationml/2006/main">
-  <p:cSld>
-    <p:spTree>
-      <p:nvGrpSpPr>
-        <p:cNvPr id="1" name=""/>
-        <p:cNvGrpSpPr/>
-        <p:nvPr/>
-      </p:nvGrpSpPr>
-      <p:grpSpPr>
-        <a:xfrm>
-          <a:off x="0" y="0"/>
-          <a:ext cx="0" cy="0"/>
-          <a:chOff x="0" y="0"/>
-          <a:chExt cx="0" cy="0"/>
-        </a:xfrm>
-      </p:grpSpPr>
-      <p:grpSp>
-        <p:nvGrpSpPr>
-          <p:cNvPr id="73" name="Group 72"/>
-          <p:cNvGrpSpPr/>
-          <p:nvPr/>
-        </p:nvGrpSpPr>
-        <p:grpSpPr>
-          <a:xfrm>
-            <a:off x="9117583" y="5427427"/>
-            <a:ext cx="634982" cy="73152"/>
-            <a:chOff x="9117583" y="5427427"/>
-            <a:chExt cx="634982" cy="73152"/>
-          </a:xfrm>
-        </p:grpSpPr>
-        <p:sp>
-          <p:nvSpPr>
-            <p:cNvPr id="74" name="Oval 73">
-              <a:hlinkClick r:id="rId2" action="ppaction://hlinksldjump"/>
-            </p:cNvPr>
-            <p:cNvSpPr/>
-            <p:nvPr/>
-          </p:nvSpPr>
-          <p:spPr>
-            <a:xfrm>
-              <a:off x="9229495" y="5427427"/>
-              <a:ext cx="73152" cy="73152"/>
-            </a:xfrm>
-            <a:prstGeom prst="ellipse">
-              <a:avLst/>
-            </a:prstGeom>
-            <a:solidFill>
-              <a:srgbClr val="37939F"/>
-            </a:solidFill>
-            <a:ln w="12700">
-              <a:noFill/>
-            </a:ln>
-            <a:effectLst>
-              <a:glow rad="38100">
-                <a:schemeClr val="bg1">
-                  <a:alpha val="97000"/>
-                </a:schemeClr>
-              </a:glow>
-            </a:effectLst>
-          </p:spPr>
-          <p:style>
-            <a:lnRef idx="2">
-              <a:schemeClr val="accent1">
-                <a:shade val="50000"/>
-              </a:schemeClr>
-            </a:lnRef>
-            <a:fillRef idx="1">
-              <a:schemeClr val="accent1"/>
-            </a:fillRef>
-            <a:effectRef idx="0">
-              <a:schemeClr val="accent1"/>
-            </a:effectRef>
-            <a:fontRef idx="minor">
-              <a:schemeClr val="lt1"/>
-            </a:fontRef>
-          </p:style>
-          <p:txBody>
-            <a:bodyPr rtlCol="0" anchor="ctr"/>
-            <a:lstStyle/>
-            <a:p>
-              <a:pPr algn="ctr"/>
-              <a:endParaRPr lang="en-US" dirty="0"/>
-            </a:p>
-          </p:txBody>
-        </p:sp>
-        <p:sp>
-          <p:nvSpPr>
-            <p:cNvPr id="75" name="Oval 74">
-              <a:hlinkClick r:id="rId3" action="ppaction://hlinksldjump"/>
-            </p:cNvPr>
-            <p:cNvSpPr/>
-            <p:nvPr/>
-          </p:nvSpPr>
-          <p:spPr>
-            <a:xfrm>
-              <a:off x="9341407" y="5427427"/>
-              <a:ext cx="73152" cy="73152"/>
-            </a:xfrm>
-            <a:prstGeom prst="ellipse">
-              <a:avLst/>
-            </a:prstGeom>
-            <a:solidFill>
-              <a:srgbClr val="0081D0"/>
-            </a:solidFill>
-            <a:ln w="12700">
-              <a:noFill/>
-            </a:ln>
-            <a:effectLst/>
-          </p:spPr>
-          <p:style>
-            <a:lnRef idx="2">
-              <a:schemeClr val="accent1">
-                <a:shade val="50000"/>
-              </a:schemeClr>
-            </a:lnRef>
-            <a:fillRef idx="1">
-              <a:schemeClr val="accent1"/>
-            </a:fillRef>
-            <a:effectRef idx="0">
-              <a:schemeClr val="accent1"/>
-            </a:effectRef>
-            <a:fontRef idx="minor">
-              <a:schemeClr val="lt1"/>
-            </a:fontRef>
-          </p:style>
-          <p:txBody>
-            <a:bodyPr rtlCol="0" anchor="ctr"/>
-            <a:lstStyle/>
-            <a:p>
-              <a:pPr algn="ctr"/>
-              <a:endParaRPr lang="en-US" dirty="0"/>
-            </a:p>
-          </p:txBody>
-        </p:sp>
-        <p:sp>
-          <p:nvSpPr>
-            <p:cNvPr id="76" name="Oval 75">
-              <a:hlinkClick r:id="" action="ppaction://noaction"/>
-            </p:cNvPr>
-            <p:cNvSpPr/>
-            <p:nvPr/>
-          </p:nvSpPr>
-          <p:spPr>
-            <a:xfrm>
-              <a:off x="9566961" y="5427427"/>
-              <a:ext cx="73152" cy="73152"/>
-            </a:xfrm>
-            <a:prstGeom prst="ellipse">
-              <a:avLst/>
-            </a:prstGeom>
-            <a:solidFill>
-              <a:srgbClr val="FF0000"/>
-            </a:solidFill>
-            <a:ln w="12700">
-              <a:noFill/>
-            </a:ln>
-          </p:spPr>
-          <p:style>
-            <a:lnRef idx="2">
-              <a:schemeClr val="accent1">
-                <a:shade val="50000"/>
-              </a:schemeClr>
-            </a:lnRef>
-            <a:fillRef idx="1">
-              <a:schemeClr val="accent1"/>
-            </a:fillRef>
-            <a:effectRef idx="0">
-              <a:schemeClr val="accent1"/>
-            </a:effectRef>
-            <a:fontRef idx="minor">
-              <a:schemeClr val="lt1"/>
-            </a:fontRef>
-          </p:style>
-          <p:txBody>
-            <a:bodyPr rtlCol="0" anchor="ctr"/>
-            <a:lstStyle/>
-            <a:p>
-              <a:pPr algn="ctr"/>
-              <a:endParaRPr lang="en-US" dirty="0"/>
-            </a:p>
-          </p:txBody>
-        </p:sp>
-        <p:sp>
-          <p:nvSpPr>
-            <p:cNvPr id="77" name="Oval 76">
-              <a:hlinkClick r:id="" action="ppaction://noaction"/>
-            </p:cNvPr>
-            <p:cNvSpPr/>
-            <p:nvPr/>
-          </p:nvSpPr>
-          <p:spPr>
-            <a:xfrm>
-              <a:off x="9454509" y="5427427"/>
-              <a:ext cx="73152" cy="73152"/>
-            </a:xfrm>
-            <a:prstGeom prst="ellipse">
-              <a:avLst/>
-            </a:prstGeom>
-            <a:solidFill>
-              <a:srgbClr val="708B39"/>
-            </a:solidFill>
-            <a:ln w="12700">
-              <a:noFill/>
-            </a:ln>
-            <a:effectLst/>
-          </p:spPr>
-          <p:style>
-            <a:lnRef idx="2">
-              <a:schemeClr val="accent1">
-                <a:shade val="50000"/>
-              </a:schemeClr>
-            </a:lnRef>
-            <a:fillRef idx="1">
-              <a:schemeClr val="accent1"/>
-            </a:fillRef>
-            <a:effectRef idx="0">
-              <a:schemeClr val="accent1"/>
-            </a:effectRef>
-            <a:fontRef idx="minor">
-              <a:schemeClr val="lt1"/>
-            </a:fontRef>
-          </p:style>
-          <p:txBody>
-            <a:bodyPr rtlCol="0" anchor="ctr"/>
-            <a:lstStyle/>
-            <a:p>
-              <a:pPr algn="ctr"/>
-              <a:endParaRPr lang="en-US" dirty="0"/>
-            </a:p>
-          </p:txBody>
-        </p:sp>
-        <p:sp>
-          <p:nvSpPr>
-            <p:cNvPr id="78" name="Oval 77">
-              <a:hlinkClick r:id="" action="ppaction://noaction"/>
-            </p:cNvPr>
-            <p:cNvSpPr/>
-            <p:nvPr/>
-          </p:nvSpPr>
-          <p:spPr>
-            <a:xfrm>
-              <a:off x="9679413" y="5427427"/>
-              <a:ext cx="73152" cy="73152"/>
-            </a:xfrm>
-            <a:prstGeom prst="ellipse">
-              <a:avLst/>
-            </a:prstGeom>
-            <a:solidFill>
-              <a:srgbClr val="6E2781"/>
-            </a:solidFill>
-            <a:ln>
-              <a:noFill/>
-            </a:ln>
-          </p:spPr>
-          <p:style>
-            <a:lnRef idx="2">
-              <a:schemeClr val="accent1">
-                <a:shade val="50000"/>
-              </a:schemeClr>
-            </a:lnRef>
-            <a:fillRef idx="1">
-              <a:schemeClr val="accent1"/>
-            </a:fillRef>
-            <a:effectRef idx="0">
-              <a:schemeClr val="accent1"/>
-            </a:effectRef>
-            <a:fontRef idx="minor">
-              <a:schemeClr val="lt1"/>
-            </a:fontRef>
-          </p:style>
-          <p:txBody>
-            <a:bodyPr rtlCol="0" anchor="ctr"/>
-            <a:lstStyle/>
-            <a:p>
-              <a:pPr algn="ctr"/>
-              <a:endParaRPr lang="en-US" dirty="0"/>
-            </a:p>
-          </p:txBody>
-        </p:sp>
-        <p:sp>
-          <p:nvSpPr>
-            <p:cNvPr id="79" name="Oval 78">
-              <a:hlinkClick r:id="rId3" action="ppaction://hlinksldjump"/>
-            </p:cNvPr>
-            <p:cNvSpPr/>
-            <p:nvPr/>
-          </p:nvSpPr>
-          <p:spPr>
-            <a:xfrm>
-              <a:off x="9117583" y="5427427"/>
-              <a:ext cx="73152" cy="73152"/>
-            </a:xfrm>
-            <a:prstGeom prst="ellipse">
-              <a:avLst/>
-            </a:prstGeom>
-            <a:solidFill>
-              <a:srgbClr val="0149A1"/>
-            </a:solidFill>
-            <a:ln>
-              <a:noFill/>
-            </a:ln>
-          </p:spPr>
-          <p:style>
-            <a:lnRef idx="2">
-              <a:schemeClr val="accent1">
-                <a:shade val="50000"/>
-              </a:schemeClr>
-            </a:lnRef>
-            <a:fillRef idx="1">
-              <a:schemeClr val="accent1"/>
-            </a:fillRef>
-            <a:effectRef idx="0">
-              <a:schemeClr val="accent1"/>
-            </a:effectRef>
-            <a:fontRef idx="minor">
-              <a:schemeClr val="lt1"/>
-            </a:fontRef>
-          </p:style>
-          <p:txBody>
-            <a:bodyPr rtlCol="0" anchor="ctr"/>
-            <a:lstStyle/>
-            <a:p>
-              <a:pPr algn="ctr"/>
-              <a:endParaRPr lang="en-US" dirty="0"/>
-            </a:p>
-          </p:txBody>
-        </p:sp>
-      </p:grpSp>
-      <p:sp>
-        <p:nvSpPr>
-          <p:cNvPr id="24" name="Title 23"/>
-          <p:cNvSpPr>
-            <a:spLocks noGrp="1"/>
-          </p:cNvSpPr>
-          <p:nvPr>
-            <p:ph type="title"/>
-          </p:nvPr>
-        </p:nvSpPr>
-        <p:spPr/>
-        <p:txBody>
-          <a:bodyPr/>
-          <a:lstStyle/>
-          <a:p>
-            <a:r>
-              <a:rPr lang="en-US" sz="1400" dirty="0" smtClean="0"/>
-              <a:t>Forms</a:t>
-            </a:r>
-            <a:endParaRPr lang="en-US" sz="1400" dirty="0"/>
-          </a:p>
-        </p:txBody>
-      </p:sp>
-      <p:sp>
-        <p:nvSpPr>
-          <p:cNvPr id="25" name="Text Placeholder 24"/>
-          <p:cNvSpPr>
-            <a:spLocks noGrp="1"/>
-          </p:cNvSpPr>
-          <p:nvPr>
-            <p:ph type="body" sz="half" idx="2"/>
-          </p:nvPr>
-        </p:nvSpPr>
-        <p:spPr/>
-        <p:txBody>
-          <a:bodyPr/>
-          <a:lstStyle/>
-          <a:p>
-            <a:pPr lvl="1">
-              <a:buFont typeface="Arial" panose="020B0604020202020204" pitchFamily="34" charset="0"/>
-              <a:buChar char="•"/>
-            </a:pPr>
-            <a:r>
-              <a:rPr lang="en-US" sz="1400" dirty="0"/>
-              <a:t>Angular offers two form-building technologies: </a:t>
-            </a:r>
-            <a:r>
-              <a:rPr lang="en-US" sz="1400" b="1" i="1" dirty="0"/>
-              <a:t>R</a:t>
-            </a:r>
-            <a:r>
-              <a:rPr lang="en-US" sz="1400" b="1" i="1" dirty="0" smtClean="0"/>
-              <a:t>eactive</a:t>
-            </a:r>
-            <a:r>
-              <a:rPr lang="en-US" sz="1400" b="1" dirty="0"/>
-              <a:t> forms </a:t>
-            </a:r>
-            <a:r>
-              <a:rPr lang="en-US" sz="1400" b="1" dirty="0" smtClean="0"/>
-              <a:t>or Model Driven </a:t>
-            </a:r>
-            <a:r>
-              <a:rPr lang="en-US" sz="1400" dirty="0" smtClean="0"/>
-              <a:t>and</a:t>
-            </a:r>
-            <a:r>
-              <a:rPr lang="en-US" sz="1400" dirty="0"/>
-              <a:t> </a:t>
-            </a:r>
-            <a:r>
-              <a:rPr lang="en-US" sz="1400" b="1" i="1" dirty="0"/>
-              <a:t>template-driven</a:t>
-            </a:r>
-            <a:r>
-              <a:rPr lang="en-US" sz="1400" b="1" dirty="0"/>
-              <a:t> forms.</a:t>
-            </a:r>
-            <a:r>
-              <a:rPr lang="en-US" sz="1400" dirty="0"/>
-              <a:t> </a:t>
-            </a:r>
-            <a:endParaRPr lang="en-US" sz="1400" dirty="0" smtClean="0"/>
-          </a:p>
-          <a:p>
-            <a:pPr lvl="1">
-              <a:buFont typeface="Arial" panose="020B0604020202020204" pitchFamily="34" charset="0"/>
-              <a:buChar char="•"/>
-            </a:pPr>
             <a:r>
               <a:rPr lang="en-US" sz="1400" dirty="0" smtClean="0"/>
               <a:t>The </a:t>
@@ -9057,171 +8707,6 @@
               <a:t>.</a:t>
             </a:r>
             <a:endParaRPr lang="en-US" sz="1400" dirty="0"/>
-          </a:p>
-          <a:p>
-            <a:pPr lvl="1">
-              <a:buFont typeface="Arial" panose="020B0604020202020204" pitchFamily="34" charset="0"/>
-              <a:buChar char="•"/>
-            </a:pPr>
-            <a:r>
-              <a:rPr lang="en-US" sz="1400" dirty="0" smtClean="0"/>
-              <a:t>Ex of template-driven form:</a:t>
-            </a:r>
-          </a:p>
-          <a:p>
-            <a:pPr marL="914400" lvl="2" indent="0">
-              <a:buNone/>
-            </a:pPr>
-            <a:r>
-              <a:rPr lang="sr-Latn-RS" sz="1000" dirty="0" smtClean="0"/>
-              <a:t>&lt;</a:t>
-            </a:r>
-            <a:r>
-              <a:rPr lang="sr-Latn-RS" sz="1000" dirty="0"/>
-              <a:t>form #f="ngForm" (ngSubmit)="onSubmitTemplateBased</a:t>
-            </a:r>
-            <a:r>
-              <a:rPr lang="sr-Latn-RS" sz="1000" dirty="0" smtClean="0"/>
-              <a:t>()"&gt;</a:t>
-            </a:r>
-          </a:p>
-          <a:p>
-            <a:pPr marL="914400" lvl="2" indent="0">
-              <a:buNone/>
-            </a:pPr>
-            <a:r>
-              <a:rPr lang="sr-Latn-RS" sz="1000" dirty="0" smtClean="0"/>
-              <a:t>        &lt;p&gt;</a:t>
-            </a:r>
-          </a:p>
-          <a:p>
-            <a:pPr marL="914400" lvl="2" indent="0">
-              <a:buNone/>
-            </a:pPr>
-            <a:r>
-              <a:rPr lang="sr-Latn-RS" sz="1000" dirty="0" smtClean="0"/>
-              <a:t>            </a:t>
-            </a:r>
-            <a:r>
-              <a:rPr lang="sr-Latn-RS" sz="1000" dirty="0"/>
-              <a:t>&lt;label&gt;First Name:&lt;/label&gt;</a:t>
-            </a:r>
-          </a:p>
-          <a:p>
-            <a:pPr marL="914400" lvl="2" indent="0">
-              <a:buNone/>
-            </a:pPr>
-            <a:r>
-              <a:rPr lang="sr-Latn-RS" sz="1000" dirty="0"/>
-              <a:t>            &lt;input type="text"  </a:t>
-            </a:r>
-          </a:p>
-          <a:p>
-            <a:pPr marL="914400" lvl="2" indent="0">
-              <a:buNone/>
-            </a:pPr>
-            <a:r>
-              <a:rPr lang="sr-Latn-RS" sz="1000" dirty="0"/>
-              <a:t>                [(ngModel)]="user.firstName" required&gt;</a:t>
-            </a:r>
-          </a:p>
-          <a:p>
-            <a:pPr marL="914400" lvl="2" indent="0">
-              <a:buNone/>
-            </a:pPr>
-            <a:r>
-              <a:rPr lang="sr-Latn-RS" sz="1000" dirty="0"/>
-              <a:t>        &lt;/p&gt;</a:t>
-            </a:r>
-          </a:p>
-          <a:p>
-            <a:pPr marL="914400" lvl="2" indent="0">
-              <a:buNone/>
-            </a:pPr>
-            <a:r>
-              <a:rPr lang="sr-Latn-RS" sz="1000" dirty="0"/>
-              <a:t>        &lt;p&gt;</a:t>
-            </a:r>
-          </a:p>
-          <a:p>
-            <a:pPr marL="914400" lvl="2" indent="0">
-              <a:buNone/>
-            </a:pPr>
-            <a:r>
-              <a:rPr lang="sr-Latn-RS" sz="1000" dirty="0"/>
-              <a:t>            &lt;label&gt;Password:&lt;/label&gt;</a:t>
-            </a:r>
-          </a:p>
-          <a:p>
-            <a:pPr marL="914400" lvl="2" indent="0">
-              <a:buNone/>
-            </a:pPr>
-            <a:r>
-              <a:rPr lang="sr-Latn-RS" sz="1000" dirty="0"/>
-              <a:t>            &lt;input type="password"  </a:t>
-            </a:r>
-          </a:p>
-          <a:p>
-            <a:pPr marL="914400" lvl="2" indent="0">
-              <a:buNone/>
-            </a:pPr>
-            <a:r>
-              <a:rPr lang="sr-Latn-RS" sz="1000" dirty="0"/>
-              <a:t>                [(ngModel)]="user.password" required&gt;</a:t>
-            </a:r>
-          </a:p>
-          <a:p>
-            <a:pPr marL="914400" lvl="2" indent="0">
-              <a:buNone/>
-            </a:pPr>
-            <a:r>
-              <a:rPr lang="sr-Latn-RS" sz="1000" dirty="0"/>
-              <a:t>        &lt;/p&gt;</a:t>
-            </a:r>
-          </a:p>
-          <a:p>
-            <a:pPr marL="914400" lvl="2" indent="0">
-              <a:buNone/>
-            </a:pPr>
-            <a:r>
-              <a:rPr lang="sr-Latn-RS" sz="1000" dirty="0"/>
-              <a:t>        &lt;p&gt;</a:t>
-            </a:r>
-          </a:p>
-          <a:p>
-            <a:pPr marL="914400" lvl="2" indent="0">
-              <a:buNone/>
-            </a:pPr>
-            <a:r>
-              <a:rPr lang="sr-Latn-RS" sz="1000" dirty="0"/>
-              <a:t>            &lt;button type="submit" [disabled]="!f.valid"&gt;Submit&lt;/button&gt;</a:t>
-            </a:r>
-          </a:p>
-          <a:p>
-            <a:pPr marL="914400" lvl="2" indent="0">
-              <a:buNone/>
-            </a:pPr>
-            <a:r>
-              <a:rPr lang="sr-Latn-RS" sz="1000" dirty="0"/>
-              <a:t>        &lt;/p&gt;</a:t>
-            </a:r>
-          </a:p>
-          <a:p>
-            <a:pPr marL="914400" lvl="2" indent="0">
-              <a:buNone/>
-            </a:pPr>
-            <a:r>
-              <a:rPr lang="sr-Latn-RS" sz="1000" dirty="0"/>
-              <a:t>  </a:t>
-            </a:r>
-            <a:r>
-              <a:rPr lang="sr-Latn-RS" sz="1000" dirty="0" smtClean="0"/>
-              <a:t>&lt;/</a:t>
-            </a:r>
-            <a:r>
-              <a:rPr lang="sr-Latn-RS" sz="1000" dirty="0"/>
-              <a:t>form&gt;</a:t>
-            </a:r>
           </a:p>
         </p:txBody>
       </p:sp>
@@ -9273,760 +8758,7 @@
 </p:sld>
 </file>
 
-<file path=ppt/slides/slide17.xml><?xml version="1.0" encoding="utf-8"?>
-<p:sld xmlns:a="http://schemas.openxmlformats.org/drawingml/2006/main" xmlns:r="http://schemas.openxmlformats.org/officeDocument/2006/relationships" xmlns:p="http://schemas.openxmlformats.org/presentationml/2006/main">
-  <p:cSld>
-    <p:spTree>
-      <p:nvGrpSpPr>
-        <p:cNvPr id="1" name=""/>
-        <p:cNvGrpSpPr/>
-        <p:nvPr/>
-      </p:nvGrpSpPr>
-      <p:grpSpPr>
-        <a:xfrm>
-          <a:off x="0" y="0"/>
-          <a:ext cx="0" cy="0"/>
-          <a:chOff x="0" y="0"/>
-          <a:chExt cx="0" cy="0"/>
-        </a:xfrm>
-      </p:grpSpPr>
-      <p:grpSp>
-        <p:nvGrpSpPr>
-          <p:cNvPr id="73" name="Group 72"/>
-          <p:cNvGrpSpPr/>
-          <p:nvPr/>
-        </p:nvGrpSpPr>
-        <p:grpSpPr>
-          <a:xfrm>
-            <a:off x="9117583" y="5427427"/>
-            <a:ext cx="634982" cy="73152"/>
-            <a:chOff x="9117583" y="5427427"/>
-            <a:chExt cx="634982" cy="73152"/>
-          </a:xfrm>
-        </p:grpSpPr>
-        <p:sp>
-          <p:nvSpPr>
-            <p:cNvPr id="74" name="Oval 73">
-              <a:hlinkClick r:id="rId2" action="ppaction://hlinksldjump"/>
-            </p:cNvPr>
-            <p:cNvSpPr/>
-            <p:nvPr/>
-          </p:nvSpPr>
-          <p:spPr>
-            <a:xfrm>
-              <a:off x="9229495" y="5427427"/>
-              <a:ext cx="73152" cy="73152"/>
-            </a:xfrm>
-            <a:prstGeom prst="ellipse">
-              <a:avLst/>
-            </a:prstGeom>
-            <a:solidFill>
-              <a:srgbClr val="37939F"/>
-            </a:solidFill>
-            <a:ln w="12700">
-              <a:noFill/>
-            </a:ln>
-            <a:effectLst>
-              <a:glow rad="38100">
-                <a:schemeClr val="bg1">
-                  <a:alpha val="97000"/>
-                </a:schemeClr>
-              </a:glow>
-            </a:effectLst>
-          </p:spPr>
-          <p:style>
-            <a:lnRef idx="2">
-              <a:schemeClr val="accent1">
-                <a:shade val="50000"/>
-              </a:schemeClr>
-            </a:lnRef>
-            <a:fillRef idx="1">
-              <a:schemeClr val="accent1"/>
-            </a:fillRef>
-            <a:effectRef idx="0">
-              <a:schemeClr val="accent1"/>
-            </a:effectRef>
-            <a:fontRef idx="minor">
-              <a:schemeClr val="lt1"/>
-            </a:fontRef>
-          </p:style>
-          <p:txBody>
-            <a:bodyPr rtlCol="0" anchor="ctr"/>
-            <a:lstStyle/>
-            <a:p>
-              <a:pPr algn="ctr"/>
-              <a:endParaRPr lang="en-US" dirty="0"/>
-            </a:p>
-          </p:txBody>
-        </p:sp>
-        <p:sp>
-          <p:nvSpPr>
-            <p:cNvPr id="75" name="Oval 74">
-              <a:hlinkClick r:id="rId3" action="ppaction://hlinksldjump"/>
-            </p:cNvPr>
-            <p:cNvSpPr/>
-            <p:nvPr/>
-          </p:nvSpPr>
-          <p:spPr>
-            <a:xfrm>
-              <a:off x="9341407" y="5427427"/>
-              <a:ext cx="73152" cy="73152"/>
-            </a:xfrm>
-            <a:prstGeom prst="ellipse">
-              <a:avLst/>
-            </a:prstGeom>
-            <a:solidFill>
-              <a:srgbClr val="0081D0"/>
-            </a:solidFill>
-            <a:ln w="12700">
-              <a:noFill/>
-            </a:ln>
-            <a:effectLst/>
-          </p:spPr>
-          <p:style>
-            <a:lnRef idx="2">
-              <a:schemeClr val="accent1">
-                <a:shade val="50000"/>
-              </a:schemeClr>
-            </a:lnRef>
-            <a:fillRef idx="1">
-              <a:schemeClr val="accent1"/>
-            </a:fillRef>
-            <a:effectRef idx="0">
-              <a:schemeClr val="accent1"/>
-            </a:effectRef>
-            <a:fontRef idx="minor">
-              <a:schemeClr val="lt1"/>
-            </a:fontRef>
-          </p:style>
-          <p:txBody>
-            <a:bodyPr rtlCol="0" anchor="ctr"/>
-            <a:lstStyle/>
-            <a:p>
-              <a:pPr algn="ctr"/>
-              <a:endParaRPr lang="en-US" dirty="0"/>
-            </a:p>
-          </p:txBody>
-        </p:sp>
-        <p:sp>
-          <p:nvSpPr>
-            <p:cNvPr id="76" name="Oval 75">
-              <a:hlinkClick r:id="" action="ppaction://noaction"/>
-            </p:cNvPr>
-            <p:cNvSpPr/>
-            <p:nvPr/>
-          </p:nvSpPr>
-          <p:spPr>
-            <a:xfrm>
-              <a:off x="9566961" y="5427427"/>
-              <a:ext cx="73152" cy="73152"/>
-            </a:xfrm>
-            <a:prstGeom prst="ellipse">
-              <a:avLst/>
-            </a:prstGeom>
-            <a:solidFill>
-              <a:srgbClr val="FF0000"/>
-            </a:solidFill>
-            <a:ln w="12700">
-              <a:noFill/>
-            </a:ln>
-          </p:spPr>
-          <p:style>
-            <a:lnRef idx="2">
-              <a:schemeClr val="accent1">
-                <a:shade val="50000"/>
-              </a:schemeClr>
-            </a:lnRef>
-            <a:fillRef idx="1">
-              <a:schemeClr val="accent1"/>
-            </a:fillRef>
-            <a:effectRef idx="0">
-              <a:schemeClr val="accent1"/>
-            </a:effectRef>
-            <a:fontRef idx="minor">
-              <a:schemeClr val="lt1"/>
-            </a:fontRef>
-          </p:style>
-          <p:txBody>
-            <a:bodyPr rtlCol="0" anchor="ctr"/>
-            <a:lstStyle/>
-            <a:p>
-              <a:pPr algn="ctr"/>
-              <a:endParaRPr lang="en-US" dirty="0"/>
-            </a:p>
-          </p:txBody>
-        </p:sp>
-        <p:sp>
-          <p:nvSpPr>
-            <p:cNvPr id="77" name="Oval 76">
-              <a:hlinkClick r:id="" action="ppaction://noaction"/>
-            </p:cNvPr>
-            <p:cNvSpPr/>
-            <p:nvPr/>
-          </p:nvSpPr>
-          <p:spPr>
-            <a:xfrm>
-              <a:off x="9454509" y="5427427"/>
-              <a:ext cx="73152" cy="73152"/>
-            </a:xfrm>
-            <a:prstGeom prst="ellipse">
-              <a:avLst/>
-            </a:prstGeom>
-            <a:solidFill>
-              <a:srgbClr val="708B39"/>
-            </a:solidFill>
-            <a:ln w="12700">
-              <a:noFill/>
-            </a:ln>
-            <a:effectLst/>
-          </p:spPr>
-          <p:style>
-            <a:lnRef idx="2">
-              <a:schemeClr val="accent1">
-                <a:shade val="50000"/>
-              </a:schemeClr>
-            </a:lnRef>
-            <a:fillRef idx="1">
-              <a:schemeClr val="accent1"/>
-            </a:fillRef>
-            <a:effectRef idx="0">
-              <a:schemeClr val="accent1"/>
-            </a:effectRef>
-            <a:fontRef idx="minor">
-              <a:schemeClr val="lt1"/>
-            </a:fontRef>
-          </p:style>
-          <p:txBody>
-            <a:bodyPr rtlCol="0" anchor="ctr"/>
-            <a:lstStyle/>
-            <a:p>
-              <a:pPr algn="ctr"/>
-              <a:endParaRPr lang="en-US" dirty="0"/>
-            </a:p>
-          </p:txBody>
-        </p:sp>
-        <p:sp>
-          <p:nvSpPr>
-            <p:cNvPr id="78" name="Oval 77">
-              <a:hlinkClick r:id="" action="ppaction://noaction"/>
-            </p:cNvPr>
-            <p:cNvSpPr/>
-            <p:nvPr/>
-          </p:nvSpPr>
-          <p:spPr>
-            <a:xfrm>
-              <a:off x="9679413" y="5427427"/>
-              <a:ext cx="73152" cy="73152"/>
-            </a:xfrm>
-            <a:prstGeom prst="ellipse">
-              <a:avLst/>
-            </a:prstGeom>
-            <a:solidFill>
-              <a:srgbClr val="6E2781"/>
-            </a:solidFill>
-            <a:ln>
-              <a:noFill/>
-            </a:ln>
-          </p:spPr>
-          <p:style>
-            <a:lnRef idx="2">
-              <a:schemeClr val="accent1">
-                <a:shade val="50000"/>
-              </a:schemeClr>
-            </a:lnRef>
-            <a:fillRef idx="1">
-              <a:schemeClr val="accent1"/>
-            </a:fillRef>
-            <a:effectRef idx="0">
-              <a:schemeClr val="accent1"/>
-            </a:effectRef>
-            <a:fontRef idx="minor">
-              <a:schemeClr val="lt1"/>
-            </a:fontRef>
-          </p:style>
-          <p:txBody>
-            <a:bodyPr rtlCol="0" anchor="ctr"/>
-            <a:lstStyle/>
-            <a:p>
-              <a:pPr algn="ctr"/>
-              <a:endParaRPr lang="en-US" dirty="0"/>
-            </a:p>
-          </p:txBody>
-        </p:sp>
-        <p:sp>
-          <p:nvSpPr>
-            <p:cNvPr id="79" name="Oval 78">
-              <a:hlinkClick r:id="rId3" action="ppaction://hlinksldjump"/>
-            </p:cNvPr>
-            <p:cNvSpPr/>
-            <p:nvPr/>
-          </p:nvSpPr>
-          <p:spPr>
-            <a:xfrm>
-              <a:off x="9117583" y="5427427"/>
-              <a:ext cx="73152" cy="73152"/>
-            </a:xfrm>
-            <a:prstGeom prst="ellipse">
-              <a:avLst/>
-            </a:prstGeom>
-            <a:solidFill>
-              <a:srgbClr val="0149A1"/>
-            </a:solidFill>
-            <a:ln>
-              <a:noFill/>
-            </a:ln>
-          </p:spPr>
-          <p:style>
-            <a:lnRef idx="2">
-              <a:schemeClr val="accent1">
-                <a:shade val="50000"/>
-              </a:schemeClr>
-            </a:lnRef>
-            <a:fillRef idx="1">
-              <a:schemeClr val="accent1"/>
-            </a:fillRef>
-            <a:effectRef idx="0">
-              <a:schemeClr val="accent1"/>
-            </a:effectRef>
-            <a:fontRef idx="minor">
-              <a:schemeClr val="lt1"/>
-            </a:fontRef>
-          </p:style>
-          <p:txBody>
-            <a:bodyPr rtlCol="0" anchor="ctr"/>
-            <a:lstStyle/>
-            <a:p>
-              <a:pPr algn="ctr"/>
-              <a:endParaRPr lang="en-US" dirty="0"/>
-            </a:p>
-          </p:txBody>
-        </p:sp>
-      </p:grpSp>
-      <p:sp>
-        <p:nvSpPr>
-          <p:cNvPr id="24" name="Title 23"/>
-          <p:cNvSpPr>
-            <a:spLocks noGrp="1"/>
-          </p:cNvSpPr>
-          <p:nvPr>
-            <p:ph type="title"/>
-          </p:nvPr>
-        </p:nvSpPr>
-        <p:spPr/>
-        <p:txBody>
-          <a:bodyPr/>
-          <a:lstStyle/>
-          <a:p>
-            <a:r>
-              <a:rPr lang="en-US" sz="1400" dirty="0" smtClean="0"/>
-              <a:t>Reactive form controller</a:t>
-            </a:r>
-            <a:endParaRPr lang="en-US" sz="1400" dirty="0"/>
-          </a:p>
-        </p:txBody>
-      </p:sp>
-      <p:sp>
-        <p:nvSpPr>
-          <p:cNvPr id="25" name="Text Placeholder 24"/>
-          <p:cNvSpPr>
-            <a:spLocks noGrp="1"/>
-          </p:cNvSpPr>
-          <p:nvPr>
-            <p:ph type="body" sz="half" idx="2"/>
-          </p:nvPr>
-        </p:nvSpPr>
-        <p:spPr/>
-        <p:txBody>
-          <a:bodyPr/>
-          <a:lstStyle/>
-          <a:p>
-            <a:pPr marL="457200" lvl="1" indent="0">
-              <a:buNone/>
-            </a:pPr>
-            <a:r>
-              <a:rPr lang="en-US" sz="1000" dirty="0"/>
-              <a:t>A model driven form looks on the surface pretty much like a template driven form.</a:t>
-            </a:r>
-            <a:endParaRPr lang="en-US" sz="1000" dirty="0" smtClean="0"/>
-          </a:p>
-          <a:p>
-            <a:pPr marL="457200" lvl="1" indent="0">
-              <a:buNone/>
-            </a:pPr>
-            <a:r>
-              <a:rPr lang="en-US" sz="1000" dirty="0" smtClean="0"/>
-              <a:t>import </a:t>
-            </a:r>
-            <a:r>
-              <a:rPr lang="en-US" sz="1000" dirty="0"/>
-              <a:t>{ </a:t>
-            </a:r>
-            <a:r>
-              <a:rPr lang="en-US" sz="1000" dirty="0" err="1"/>
-              <a:t>FormGroup</a:t>
-            </a:r>
-            <a:r>
-              <a:rPr lang="en-US" sz="1000" dirty="0"/>
-              <a:t>, </a:t>
-            </a:r>
-            <a:r>
-              <a:rPr lang="en-US" sz="1000" dirty="0" err="1"/>
-              <a:t>FormControl</a:t>
-            </a:r>
-            <a:r>
-              <a:rPr lang="en-US" sz="1000" dirty="0"/>
-              <a:t>, Validators, </a:t>
-            </a:r>
-            <a:r>
-              <a:rPr lang="en-US" sz="1000" dirty="0" err="1"/>
-              <a:t>FormBuilder</a:t>
-            </a:r>
-            <a:r>
-              <a:rPr lang="en-US" sz="1000" dirty="0"/>
-              <a:t> } </a:t>
-            </a:r>
-            <a:r>
-              <a:rPr lang="en-US" sz="1000" dirty="0" smtClean="0"/>
-              <a:t>    </a:t>
-            </a:r>
-            <a:r>
-              <a:rPr lang="en-US" sz="1000" dirty="0"/>
-              <a:t>from '@angular/forms</a:t>
-            </a:r>
-            <a:r>
-              <a:rPr lang="en-US" sz="1000" dirty="0" smtClean="0"/>
-              <a:t>';</a:t>
-            </a:r>
-            <a:endParaRPr lang="en-US" sz="1000" dirty="0"/>
-          </a:p>
-          <a:p>
-            <a:pPr marL="857250" lvl="2" indent="0">
-              <a:buNone/>
-            </a:pPr>
-            <a:r>
-              <a:rPr lang="en-US" sz="1000" dirty="0"/>
-              <a:t>@Component({</a:t>
-            </a:r>
-          </a:p>
-          <a:p>
-            <a:pPr marL="857250" lvl="2" indent="0">
-              <a:buNone/>
-            </a:pPr>
-            <a:r>
-              <a:rPr lang="en-US" sz="1000" dirty="0"/>
-              <a:t>    selector: "model-driven-form",</a:t>
-            </a:r>
-          </a:p>
-          <a:p>
-            <a:pPr marL="857250" lvl="2" indent="0">
-              <a:buNone/>
-            </a:pPr>
-            <a:r>
-              <a:rPr lang="en-US" sz="1000" dirty="0"/>
-              <a:t>    </a:t>
-            </a:r>
-            <a:r>
-              <a:rPr lang="en-US" sz="1000" dirty="0" err="1"/>
-              <a:t>templateUrl</a:t>
-            </a:r>
-            <a:r>
-              <a:rPr lang="en-US" sz="1000" dirty="0"/>
-              <a:t>: 'model-driven-form.html'</a:t>
-            </a:r>
-          </a:p>
-          <a:p>
-            <a:pPr marL="857250" lvl="2" indent="0">
-              <a:buNone/>
-            </a:pPr>
-            <a:r>
-              <a:rPr lang="en-US" sz="1000" dirty="0"/>
-              <a:t>})</a:t>
-            </a:r>
-          </a:p>
-          <a:p>
-            <a:pPr marL="857250" lvl="2" indent="0">
-              <a:buNone/>
-            </a:pPr>
-            <a:r>
-              <a:rPr lang="en-US" sz="1000" dirty="0"/>
-              <a:t>export class </a:t>
-            </a:r>
-            <a:r>
-              <a:rPr lang="en-US" sz="1000" dirty="0" err="1"/>
-              <a:t>ModelDrivenForm</a:t>
-            </a:r>
-            <a:r>
-              <a:rPr lang="en-US" sz="1000" dirty="0"/>
-              <a:t> {</a:t>
-            </a:r>
-          </a:p>
-          <a:p>
-            <a:pPr marL="857250" lvl="2" indent="0">
-              <a:buNone/>
-            </a:pPr>
-            <a:r>
-              <a:rPr lang="en-US" sz="1000" dirty="0"/>
-              <a:t>    form: </a:t>
-            </a:r>
-            <a:r>
-              <a:rPr lang="en-US" sz="1000" dirty="0" err="1"/>
-              <a:t>FormGroup</a:t>
-            </a:r>
-            <a:r>
-              <a:rPr lang="en-US" sz="1000" dirty="0" smtClean="0"/>
-              <a:t>;    </a:t>
-            </a:r>
-            <a:endParaRPr lang="en-US" sz="1000" dirty="0"/>
-          </a:p>
-          <a:p>
-            <a:pPr marL="857250" lvl="2" indent="0">
-              <a:buNone/>
-            </a:pPr>
-            <a:r>
-              <a:rPr lang="en-US" sz="1000" dirty="0"/>
-              <a:t>    </a:t>
-            </a:r>
-            <a:r>
-              <a:rPr lang="en-US" sz="1000" dirty="0" err="1"/>
-              <a:t>firstName</a:t>
-            </a:r>
-            <a:r>
-              <a:rPr lang="en-US" sz="1000" dirty="0"/>
-              <a:t> = new </a:t>
-            </a:r>
-            <a:r>
-              <a:rPr lang="en-US" sz="1000" dirty="0" err="1"/>
-              <a:t>FormControl</a:t>
-            </a:r>
-            <a:r>
-              <a:rPr lang="en-US" sz="1000" dirty="0"/>
-              <a:t>("", </a:t>
-            </a:r>
-            <a:r>
-              <a:rPr lang="en-US" sz="1000" dirty="0" err="1"/>
-              <a:t>Validators.required</a:t>
-            </a:r>
-            <a:r>
-              <a:rPr lang="en-US" sz="1000" dirty="0" smtClean="0"/>
-              <a:t>);    </a:t>
-            </a:r>
-            <a:endParaRPr lang="en-US" sz="1000" dirty="0"/>
-          </a:p>
-          <a:p>
-            <a:pPr marL="857250" lvl="2" indent="0">
-              <a:buNone/>
-            </a:pPr>
-            <a:r>
-              <a:rPr lang="en-US" sz="1000" dirty="0"/>
-              <a:t>    constructor(fb: </a:t>
-            </a:r>
-            <a:r>
-              <a:rPr lang="en-US" sz="1000" dirty="0" err="1"/>
-              <a:t>FormBuilder</a:t>
-            </a:r>
-            <a:r>
-              <a:rPr lang="en-US" sz="1000" dirty="0"/>
-              <a:t>) {</a:t>
-            </a:r>
-          </a:p>
-          <a:p>
-            <a:pPr marL="857250" lvl="2" indent="0">
-              <a:buNone/>
-            </a:pPr>
-            <a:r>
-              <a:rPr lang="en-US" sz="1000" dirty="0"/>
-              <a:t>        </a:t>
-            </a:r>
-            <a:r>
-              <a:rPr lang="en-US" sz="1000" dirty="0" err="1"/>
-              <a:t>this.form</a:t>
-            </a:r>
-            <a:r>
-              <a:rPr lang="en-US" sz="1000" dirty="0"/>
-              <a:t> = </a:t>
-            </a:r>
-            <a:r>
-              <a:rPr lang="en-US" sz="1000" dirty="0" err="1"/>
-              <a:t>fb.group</a:t>
-            </a:r>
-            <a:r>
-              <a:rPr lang="en-US" sz="1000" dirty="0"/>
-              <a:t>({</a:t>
-            </a:r>
-          </a:p>
-          <a:p>
-            <a:pPr marL="857250" lvl="2" indent="0">
-              <a:buNone/>
-            </a:pPr>
-            <a:r>
-              <a:rPr lang="en-US" sz="1000" dirty="0"/>
-              <a:t>            "</a:t>
-            </a:r>
-            <a:r>
-              <a:rPr lang="en-US" sz="1000" dirty="0" err="1"/>
-              <a:t>firstName</a:t>
-            </a:r>
-            <a:r>
-              <a:rPr lang="en-US" sz="1000" dirty="0"/>
-              <a:t>": </a:t>
-            </a:r>
-            <a:r>
-              <a:rPr lang="en-US" sz="1000" dirty="0" err="1"/>
-              <a:t>this.firstName</a:t>
-            </a:r>
-            <a:r>
-              <a:rPr lang="en-US" sz="1000" dirty="0"/>
-              <a:t>,</a:t>
-            </a:r>
-          </a:p>
-          <a:p>
-            <a:pPr marL="857250" lvl="2" indent="0">
-              <a:buNone/>
-            </a:pPr>
-            <a:r>
-              <a:rPr lang="en-US" sz="1000" dirty="0"/>
-              <a:t>            "password":["", </a:t>
-            </a:r>
-            <a:r>
-              <a:rPr lang="en-US" sz="1000" dirty="0" err="1"/>
-              <a:t>Validators.required</a:t>
-            </a:r>
-            <a:r>
-              <a:rPr lang="en-US" sz="1000" dirty="0"/>
-              <a:t>]</a:t>
-            </a:r>
-          </a:p>
-          <a:p>
-            <a:pPr marL="857250" lvl="2" indent="0">
-              <a:buNone/>
-            </a:pPr>
-            <a:r>
-              <a:rPr lang="en-US" sz="1000" dirty="0"/>
-              <a:t>        });</a:t>
-            </a:r>
-          </a:p>
-          <a:p>
-            <a:pPr marL="857250" lvl="2" indent="0">
-              <a:buNone/>
-            </a:pPr>
-            <a:r>
-              <a:rPr lang="en-US" sz="1000" dirty="0"/>
-              <a:t>    }</a:t>
-            </a:r>
-          </a:p>
-          <a:p>
-            <a:pPr marL="857250" lvl="2" indent="0">
-              <a:buNone/>
-            </a:pPr>
-            <a:r>
-              <a:rPr lang="en-US" sz="1000" dirty="0"/>
-              <a:t>    </a:t>
-            </a:r>
-            <a:r>
-              <a:rPr lang="en-US" sz="1000" dirty="0" err="1"/>
-              <a:t>onSubmitModelBased</a:t>
-            </a:r>
-            <a:r>
-              <a:rPr lang="en-US" sz="1000" dirty="0"/>
-              <a:t>() {</a:t>
-            </a:r>
-          </a:p>
-          <a:p>
-            <a:pPr marL="857250" lvl="2" indent="0">
-              <a:buNone/>
-            </a:pPr>
-            <a:r>
-              <a:rPr lang="en-US" sz="1000" dirty="0"/>
-              <a:t>        console.log("model-based form submitted");</a:t>
-            </a:r>
-          </a:p>
-          <a:p>
-            <a:pPr marL="857250" lvl="2" indent="0">
-              <a:buNone/>
-            </a:pPr>
-            <a:r>
-              <a:rPr lang="en-US" sz="1000" dirty="0"/>
-              <a:t>        console.log(</a:t>
-            </a:r>
-            <a:r>
-              <a:rPr lang="en-US" sz="1000" dirty="0" err="1"/>
-              <a:t>this.form</a:t>
-            </a:r>
-            <a:r>
-              <a:rPr lang="en-US" sz="1000" dirty="0"/>
-              <a:t>);</a:t>
-            </a:r>
-          </a:p>
-          <a:p>
-            <a:pPr marL="857250" lvl="2" indent="0">
-              <a:buNone/>
-            </a:pPr>
-            <a:r>
-              <a:rPr lang="en-US" sz="1000" dirty="0"/>
-              <a:t>    }</a:t>
-            </a:r>
-          </a:p>
-          <a:p>
-            <a:pPr marL="457200" lvl="1" indent="0">
-              <a:buNone/>
-            </a:pPr>
-            <a:r>
-              <a:rPr lang="en-US" sz="1000" dirty="0"/>
-              <a:t>}</a:t>
-            </a:r>
-            <a:endParaRPr lang="sr-Latn-RS" sz="1000" dirty="0"/>
-          </a:p>
-        </p:txBody>
-      </p:sp>
-      <p:sp>
-        <p:nvSpPr>
-          <p:cNvPr id="2" name="Rectangle 1"/>
-          <p:cNvSpPr/>
-          <p:nvPr/>
-        </p:nvSpPr>
-        <p:spPr>
-          <a:xfrm>
-            <a:off x="2514600" y="2505760"/>
-            <a:ext cx="5029200" cy="369332"/>
-          </a:xfrm>
-          <a:prstGeom prst="rect">
-            <a:avLst/>
-          </a:prstGeom>
-        </p:spPr>
-        <p:txBody>
-          <a:bodyPr>
-            <a:spAutoFit/>
-          </a:bodyPr>
-          <a:lstStyle/>
-          <a:p>
-            <a:endParaRPr lang="en-US" dirty="0"/>
-          </a:p>
-        </p:txBody>
-      </p:sp>
-    </p:spTree>
-    <p:extLst>
-      <p:ext uri="{BB962C8B-B14F-4D97-AF65-F5344CB8AC3E}">
-        <p14:creationId xmlns:p14="http://schemas.microsoft.com/office/powerpoint/2010/main" val="1837068365"/>
-      </p:ext>
-    </p:extLst>
-  </p:cSld>
-  <p:clrMapOvr>
-    <a:masterClrMapping/>
-  </p:clrMapOvr>
-  <p:transition spd="slow">
-    <p:wipe/>
-  </p:transition>
-  <p:timing>
-    <p:tnLst>
-      <p:par>
-        <p:cTn id="1" dur="indefinite" restart="never" nodeType="tmRoot"/>
-      </p:par>
-    </p:tnLst>
-  </p:timing>
-</p:sld>
-</file>
-
-<file path=ppt/slides/slide18.xml><?xml version="1.0" encoding="utf-8"?>
+<file path=ppt/slides/slide16.xml><?xml version="1.0" encoding="utf-8"?>
 <p:sld xmlns:a="http://schemas.openxmlformats.org/drawingml/2006/main" xmlns:r="http://schemas.openxmlformats.org/officeDocument/2006/relationships" xmlns:p="http://schemas.openxmlformats.org/presentationml/2006/main">
   <p:cSld>
     <p:spTree>
@@ -10723,10 +9455,14 @@
           <a:lstStyle/>
           <a:p>
             <a:r>
-              <a:rPr lang="en-US" dirty="0" smtClean="0"/>
+              <a:rPr lang="en-US" dirty="0" smtClean="0">
+                <a:latin typeface="+mj-lt"/>
+              </a:rPr>
               <a:t>Agenda</a:t>
             </a:r>
-            <a:endParaRPr lang="en-US" dirty="0"/>
+            <a:endParaRPr lang="en-US" dirty="0">
+              <a:latin typeface="+mj-lt"/>
+            </a:endParaRPr>
           </a:p>
         </p:txBody>
       </p:sp>
@@ -10751,221 +9487,242 @@
           <a:lstStyle/>
           <a:p>
             <a:r>
-              <a:rPr lang="en-US" dirty="0">
+              <a:rPr lang="en-US" b="1" dirty="0">
                 <a:solidFill>
                   <a:schemeClr val="tx1"/>
                 </a:solidFill>
+                <a:latin typeface="+mj-lt"/>
               </a:rPr>
               <a:t>Introduction</a:t>
             </a:r>
           </a:p>
           <a:p>
             <a:r>
-              <a:rPr lang="en-US" dirty="0" smtClean="0">
+              <a:rPr lang="en-US" b="1" dirty="0" smtClean="0">
                 <a:solidFill>
                   <a:schemeClr val="tx1"/>
                 </a:solidFill>
+                <a:latin typeface="+mj-lt"/>
               </a:rPr>
               <a:t>Typescript introduction</a:t>
             </a:r>
           </a:p>
           <a:p>
             <a:r>
-              <a:rPr lang="en-US" dirty="0">
+              <a:rPr lang="en-US" b="1" dirty="0">
                 <a:solidFill>
                   <a:schemeClr val="tx1"/>
                 </a:solidFill>
+                <a:latin typeface="+mj-lt"/>
               </a:rPr>
               <a:t>Angular2 </a:t>
             </a:r>
             <a:r>
-              <a:rPr lang="en-US" dirty="0" smtClean="0">
+              <a:rPr lang="en-US" b="1" dirty="0" smtClean="0">
                 <a:solidFill>
                   <a:schemeClr val="tx1"/>
                 </a:solidFill>
+                <a:latin typeface="+mj-lt"/>
               </a:rPr>
               <a:t>architecture</a:t>
             </a:r>
           </a:p>
           <a:p>
             <a:r>
-              <a:rPr lang="en-US" dirty="0" smtClean="0">
+              <a:rPr lang="en-US" b="1" dirty="0" smtClean="0">
                 <a:solidFill>
                   <a:schemeClr val="tx1"/>
                 </a:solidFill>
+                <a:latin typeface="+mj-lt"/>
               </a:rPr>
               <a:t>Modules </a:t>
             </a:r>
           </a:p>
           <a:p>
             <a:r>
-              <a:rPr lang="en-US" dirty="0" smtClean="0">
+              <a:rPr lang="en-US" b="1" dirty="0" smtClean="0">
                 <a:solidFill>
                   <a:schemeClr val="tx1"/>
                 </a:solidFill>
+                <a:latin typeface="+mj-lt"/>
               </a:rPr>
               <a:t>Metadata</a:t>
             </a:r>
           </a:p>
           <a:p>
             <a:r>
-              <a:rPr lang="en-US" dirty="0" smtClean="0">
+              <a:rPr lang="en-US" b="1" dirty="0" smtClean="0">
                 <a:solidFill>
                   <a:schemeClr val="tx1"/>
                 </a:solidFill>
+                <a:latin typeface="+mj-lt"/>
               </a:rPr>
               <a:t>Services </a:t>
             </a:r>
           </a:p>
           <a:p>
             <a:r>
-              <a:rPr lang="en-US" dirty="0" smtClean="0">
+              <a:rPr lang="en-US" b="1" dirty="0" smtClean="0">
                 <a:solidFill>
                   <a:schemeClr val="tx1"/>
                 </a:solidFill>
+                <a:latin typeface="+mj-lt"/>
               </a:rPr>
               <a:t>Dependency Injection</a:t>
             </a:r>
           </a:p>
           <a:p>
             <a:r>
-              <a:rPr lang="en-US" dirty="0" smtClean="0">
+              <a:rPr lang="en-US" b="1" dirty="0" smtClean="0">
                 <a:solidFill>
                   <a:schemeClr val="tx1"/>
                 </a:solidFill>
+                <a:latin typeface="+mj-lt"/>
               </a:rPr>
               <a:t>Routing</a:t>
             </a:r>
           </a:p>
           <a:p>
             <a:r>
-              <a:rPr lang="en-US" dirty="0">
+              <a:rPr lang="en-US" b="1" dirty="0">
                 <a:solidFill>
                   <a:schemeClr val="tx1"/>
                 </a:solidFill>
+                <a:latin typeface="+mj-lt"/>
               </a:rPr>
               <a:t>Setup and Bootstrap </a:t>
             </a:r>
             <a:r>
-              <a:rPr lang="en-US" dirty="0" smtClean="0">
+              <a:rPr lang="en-US" b="1" dirty="0" smtClean="0">
                 <a:solidFill>
                   <a:schemeClr val="tx1"/>
                 </a:solidFill>
+                <a:latin typeface="+mj-lt"/>
               </a:rPr>
-              <a:t>Angular2 &amp; Creating </a:t>
-            </a:r>
-            <a:r>
-              <a:rPr lang="en-US" dirty="0">
+              <a:t>Angular2 </a:t>
+            </a:r>
+            <a:endParaRPr lang="en-US" b="1" dirty="0" smtClean="0">
+              <a:solidFill>
+                <a:schemeClr val="tx1"/>
+              </a:solidFill>
+              <a:latin typeface="+mj-lt"/>
+            </a:endParaRPr>
+          </a:p>
+          <a:p>
+            <a:r>
+              <a:rPr lang="en-US" b="1" dirty="0" smtClean="0">
                 <a:solidFill>
                   <a:schemeClr val="tx1"/>
                 </a:solidFill>
-              </a:rPr>
-              <a:t>our first component and the main app component</a:t>
-            </a:r>
-          </a:p>
-          <a:p>
-            <a:r>
-              <a:rPr lang="en-US" dirty="0" smtClean="0">
-                <a:solidFill>
-                  <a:schemeClr val="tx1"/>
-                </a:solidFill>
+                <a:latin typeface="+mj-lt"/>
               </a:rPr>
               <a:t>Component </a:t>
             </a:r>
             <a:r>
-              <a:rPr lang="en-US" dirty="0">
+              <a:rPr lang="en-US" b="1" dirty="0">
                 <a:solidFill>
                   <a:schemeClr val="tx1"/>
                 </a:solidFill>
+                <a:latin typeface="+mj-lt"/>
               </a:rPr>
               <a:t>and Directives</a:t>
             </a:r>
           </a:p>
           <a:p>
             <a:r>
-              <a:rPr lang="en-US" dirty="0" smtClean="0">
+              <a:rPr lang="en-US" b="1" dirty="0" smtClean="0">
                 <a:solidFill>
                   <a:schemeClr val="tx1"/>
                 </a:solidFill>
+                <a:latin typeface="+mj-lt"/>
               </a:rPr>
               <a:t>Data </a:t>
             </a:r>
             <a:r>
-              <a:rPr lang="en-US" dirty="0">
+              <a:rPr lang="en-US" b="1" dirty="0">
                 <a:solidFill>
                   <a:schemeClr val="tx1"/>
                 </a:solidFill>
+                <a:latin typeface="+mj-lt"/>
               </a:rPr>
               <a:t>binding to component </a:t>
             </a:r>
             <a:r>
-              <a:rPr lang="en-US" dirty="0" smtClean="0">
+              <a:rPr lang="en-US" b="1" dirty="0" smtClean="0">
                 <a:solidFill>
                   <a:schemeClr val="tx1"/>
                 </a:solidFill>
+                <a:latin typeface="+mj-lt"/>
               </a:rPr>
               <a:t>properties.</a:t>
             </a:r>
           </a:p>
           <a:p>
             <a:r>
-              <a:rPr lang="en-US" dirty="0">
+              <a:rPr lang="en-US" b="1" dirty="0" smtClean="0">
                 <a:solidFill>
                   <a:schemeClr val="tx1"/>
                 </a:solidFill>
+                <a:latin typeface="+mj-lt"/>
               </a:rPr>
-              <a:t>Nesting components, passing Data to components children and Sending events to </a:t>
-            </a:r>
-            <a:r>
-              <a:rPr lang="en-US" dirty="0" smtClean="0">
+              <a:t>Component communication</a:t>
+            </a:r>
+            <a:endParaRPr lang="en-US" b="1" dirty="0" smtClean="0">
+              <a:solidFill>
+                <a:schemeClr val="tx1"/>
+              </a:solidFill>
+              <a:latin typeface="+mj-lt"/>
+            </a:endParaRPr>
+          </a:p>
+          <a:p>
+            <a:r>
+              <a:rPr lang="en-US" b="1" dirty="0" smtClean="0">
                 <a:solidFill>
                   <a:schemeClr val="tx1"/>
                 </a:solidFill>
-              </a:rPr>
-              <a:t>parents.</a:t>
-            </a:r>
-          </a:p>
-          <a:p>
-            <a:r>
-              <a:rPr lang="en-US" dirty="0" smtClean="0">
-                <a:solidFill>
-                  <a:schemeClr val="tx1"/>
-                </a:solidFill>
+                <a:latin typeface="+mj-lt"/>
               </a:rPr>
               <a:t>HTTP</a:t>
             </a:r>
           </a:p>
           <a:p>
             <a:r>
-              <a:rPr lang="en-US" dirty="0">
+              <a:rPr lang="en-US" b="1" dirty="0">
                 <a:solidFill>
                   <a:schemeClr val="tx1"/>
                 </a:solidFill>
+                <a:latin typeface="+mj-lt"/>
               </a:rPr>
               <a:t>Forms and events</a:t>
             </a:r>
             <a:r>
-              <a:rPr lang="en-US" dirty="0" smtClean="0">
+              <a:rPr lang="en-US" b="1" dirty="0" smtClean="0">
                 <a:solidFill>
                   <a:schemeClr val="tx1"/>
                 </a:solidFill>
+                <a:latin typeface="+mj-lt"/>
               </a:rPr>
               <a:t>.</a:t>
             </a:r>
           </a:p>
           <a:p>
             <a:r>
-              <a:rPr lang="en-US" dirty="0" smtClean="0">
+              <a:rPr lang="en-US" b="1" dirty="0" smtClean="0">
                 <a:solidFill>
                   <a:schemeClr val="tx1"/>
                 </a:solidFill>
+                <a:latin typeface="+mj-lt"/>
               </a:rPr>
               <a:t>Any Questions?</a:t>
             </a:r>
-            <a:endParaRPr lang="en-US" dirty="0"/>
-          </a:p>
-          <a:p>
-            <a:endParaRPr lang="en-US" dirty="0"/>
+            <a:endParaRPr lang="en-US" b="1" dirty="0">
+              <a:latin typeface="+mj-lt"/>
+            </a:endParaRPr>
+          </a:p>
+          <a:p>
+            <a:endParaRPr lang="en-US" dirty="0">
+              <a:latin typeface="+mj-lt"/>
+            </a:endParaRPr>
           </a:p>
         </p:txBody>
       </p:sp>
@@ -11337,10 +10094,14 @@
           <a:lstStyle/>
           <a:p>
             <a:r>
-              <a:rPr lang="en-US" dirty="0" smtClean="0"/>
-              <a:t>Introduction to Angular 2</a:t>
-            </a:r>
-            <a:endParaRPr lang="en-US" dirty="0"/>
+              <a:rPr lang="en-US" dirty="0" smtClean="0">
+                <a:latin typeface="+mj-lt"/>
+              </a:rPr>
+              <a:t>Introduction</a:t>
+            </a:r>
+            <a:endParaRPr lang="en-US" dirty="0">
+              <a:latin typeface="+mj-lt"/>
+            </a:endParaRPr>
           </a:p>
         </p:txBody>
       </p:sp>
@@ -11369,6 +10130,7 @@
                 <a:solidFill>
                   <a:schemeClr val="tx1"/>
                 </a:solidFill>
+                <a:latin typeface="+mn-lt"/>
               </a:rPr>
               <a:t>Angular 2 is the next version of Google’s massively popular MV* framework for building complex applications in the browser (</a:t>
             </a:r>
@@ -11377,6 +10139,7 @@
                 <a:solidFill>
                   <a:schemeClr val="tx1"/>
                 </a:solidFill>
+                <a:latin typeface="+mn-lt"/>
               </a:rPr>
               <a:t>and </a:t>
             </a:r>
@@ -11385,6 +10148,7 @@
                 <a:solidFill>
                   <a:schemeClr val="tx1"/>
                 </a:solidFill>
+                <a:latin typeface="+mn-lt"/>
               </a:rPr>
               <a:t>beyond</a:t>
             </a:r>
@@ -11393,6 +10157,7 @@
                 <a:solidFill>
                   <a:schemeClr val="tx1"/>
                 </a:solidFill>
+                <a:latin typeface="+mn-lt"/>
               </a:rPr>
               <a:t>).</a:t>
             </a:r>
@@ -11402,6 +10167,7 @@
               <a:solidFill>
                 <a:schemeClr val="tx1"/>
               </a:solidFill>
+              <a:latin typeface="+mn-lt"/>
             </a:endParaRPr>
           </a:p>
           <a:p>
@@ -11410,6 +10176,7 @@
                 <a:solidFill>
                   <a:schemeClr val="tx1"/>
                 </a:solidFill>
+                <a:latin typeface="+mn-lt"/>
               </a:rPr>
               <a:t>Angular 2 comes with almost everything you need to build a complicated frontend web or mobile apps, from powerful templates to fast rendering, data management, HTTP services, form handling, and so much </a:t>
             </a:r>
@@ -11418,6 +10185,7 @@
                 <a:solidFill>
                   <a:schemeClr val="tx1"/>
                 </a:solidFill>
+                <a:latin typeface="+mn-lt"/>
               </a:rPr>
               <a:t>more</a:t>
             </a:r>
@@ -11427,6 +10195,7 @@
               <a:solidFill>
                 <a:schemeClr val="tx1"/>
               </a:solidFill>
+              <a:latin typeface="+mn-lt"/>
             </a:endParaRPr>
           </a:p>
           <a:p>
@@ -11435,120 +10204,129 @@
                 <a:solidFill>
                   <a:schemeClr val="tx1"/>
                 </a:solidFill>
+                <a:latin typeface="+mn-lt"/>
               </a:rPr>
               <a:t>Angular 2 has been built using </a:t>
             </a:r>
             <a:r>
-              <a:rPr lang="en-US" dirty="0" err="1">
+              <a:rPr lang="en-US" b="1" dirty="0" err="1" smtClean="0">
                 <a:solidFill>
                   <a:schemeClr val="tx1"/>
                 </a:solidFill>
-                <a:hlinkClick r:id="rId4"/>
+                <a:latin typeface="+mn-lt"/>
               </a:rPr>
               <a:t>TypeScript</a:t>
             </a:r>
             <a:r>
+              <a:rPr lang="en-US" b="1" dirty="0" smtClean="0">
+                <a:solidFill>
+                  <a:schemeClr val="tx1"/>
+                </a:solidFill>
+                <a:latin typeface="+mn-lt"/>
+              </a:rPr>
+              <a:t> </a:t>
+            </a:r>
+            <a:r>
+              <a:rPr lang="en-US" dirty="0" smtClean="0">
+                <a:solidFill>
+                  <a:schemeClr val="tx1"/>
+                </a:solidFill>
+                <a:latin typeface="+mn-lt"/>
+              </a:rPr>
+              <a:t>that </a:t>
+            </a:r>
+            <a:r>
               <a:rPr lang="en-US" dirty="0">
                 <a:solidFill>
                   <a:schemeClr val="tx1"/>
                 </a:solidFill>
+                <a:latin typeface="+mn-lt"/>
               </a:rPr>
-              <a:t> that has great support of </a:t>
+              <a:t>has great support of </a:t>
+            </a:r>
+            <a:r>
+              <a:rPr lang="en-US" b="1" dirty="0" smtClean="0">
+                <a:solidFill>
+                  <a:schemeClr val="tx1"/>
+                </a:solidFill>
+                <a:latin typeface="+mn-lt"/>
+              </a:rPr>
+              <a:t>ECMAScript 6 standard,</a:t>
+            </a:r>
+            <a:r>
+              <a:rPr lang="en-US" dirty="0" smtClean="0">
+                <a:solidFill>
+                  <a:schemeClr val="tx1"/>
+                </a:solidFill>
+                <a:latin typeface="+mn-lt"/>
+              </a:rPr>
+              <a:t> </a:t>
             </a:r>
             <a:r>
               <a:rPr lang="en-US" dirty="0">
                 <a:solidFill>
                   <a:schemeClr val="tx1"/>
                 </a:solidFill>
-                <a:hlinkClick r:id="rId5"/>
+                <a:latin typeface="+mn-lt"/>
               </a:rPr>
-              <a:t>ECMAScript 6 standard</a:t>
-            </a:r>
-            <a:r>
-              <a:rPr lang="en-US" dirty="0">
+              <a:t>which helps to resolve complex application design and maintain them</a:t>
+            </a:r>
+            <a:r>
+              <a:rPr lang="en-US" dirty="0" smtClean="0">
                 <a:solidFill>
                   <a:schemeClr val="tx1"/>
                 </a:solidFill>
-              </a:rPr>
-              <a:t>, which helps to resolve complex application design and maintain them</a:t>
-            </a:r>
-            <a:r>
-              <a:rPr lang="en-US" dirty="0" smtClean="0">
-                <a:solidFill>
-                  <a:schemeClr val="tx1"/>
-                </a:solidFill>
+                <a:latin typeface="+mn-lt"/>
               </a:rPr>
               <a:t>.</a:t>
             </a:r>
-          </a:p>
-          <a:p>
             <a:endParaRPr lang="en-US" dirty="0" smtClean="0">
               <a:solidFill>
                 <a:schemeClr val="tx1"/>
               </a:solidFill>
+              <a:latin typeface="+mn-lt"/>
             </a:endParaRPr>
           </a:p>
           <a:p>
-            <a:r>
-              <a:rPr lang="en-US" dirty="0" smtClean="0">
-                <a:solidFill>
-                  <a:schemeClr val="tx1"/>
-                </a:solidFill>
-              </a:rPr>
-              <a:t>Great performance.</a:t>
-            </a:r>
-            <a:r>
-              <a:rPr lang="en-US" dirty="0">
-                <a:solidFill>
-                  <a:schemeClr val="tx1"/>
-                </a:solidFill>
-              </a:rPr>
-              <a:t>        </a:t>
-            </a:r>
             <a:endParaRPr lang="en-US" dirty="0" smtClean="0">
               <a:solidFill>
                 <a:schemeClr val="tx1"/>
               </a:solidFill>
+              <a:latin typeface="+mn-lt"/>
             </a:endParaRPr>
           </a:p>
           <a:p>
+            <a:r>
+              <a:rPr lang="en-US" dirty="0" smtClean="0">
+                <a:solidFill>
+                  <a:schemeClr val="tx1"/>
+                </a:solidFill>
+                <a:latin typeface="+mn-lt"/>
+              </a:rPr>
+              <a:t>Great performance.</a:t>
+            </a:r>
+            <a:r>
+              <a:rPr lang="en-US" dirty="0">
+                <a:solidFill>
+                  <a:schemeClr val="tx1"/>
+                </a:solidFill>
+                <a:latin typeface="+mn-lt"/>
+              </a:rPr>
+              <a:t>        </a:t>
+            </a:r>
             <a:endParaRPr lang="en-US" dirty="0" smtClean="0">
               <a:solidFill>
                 <a:schemeClr val="tx1"/>
               </a:solidFill>
+              <a:latin typeface="+mn-lt"/>
             </a:endParaRPr>
-          </a:p>
-          <a:p>
-            <a:r>
-              <a:rPr lang="en-US" dirty="0" smtClean="0">
-                <a:solidFill>
-                  <a:schemeClr val="tx1"/>
-                </a:solidFill>
-              </a:rPr>
-              <a:t>General </a:t>
-            </a:r>
-            <a:r>
-              <a:rPr lang="en-US" dirty="0">
-                <a:solidFill>
-                  <a:schemeClr val="tx1"/>
-                </a:solidFill>
-              </a:rPr>
-              <a:t>simplicity of the interface</a:t>
-            </a:r>
-            <a:r>
-              <a:rPr lang="en-US" dirty="0" smtClean="0">
-                <a:solidFill>
-                  <a:schemeClr val="tx1"/>
-                </a:solidFill>
-              </a:rPr>
-              <a:t>.</a:t>
-            </a:r>
           </a:p>
           <a:p>
             <a:endParaRPr lang="en-US" dirty="0" smtClean="0">
               <a:solidFill>
                 <a:schemeClr val="tx1"/>
               </a:solidFill>
+              <a:latin typeface="+mn-lt"/>
             </a:endParaRPr>
           </a:p>
           <a:p>
@@ -11557,6 +10335,44 @@
                 <a:solidFill>
                   <a:schemeClr val="tx1"/>
                 </a:solidFill>
+                <a:latin typeface="+mn-lt"/>
+              </a:rPr>
+              <a:t>General </a:t>
+            </a:r>
+            <a:r>
+              <a:rPr lang="en-US" dirty="0">
+                <a:solidFill>
+                  <a:schemeClr val="tx1"/>
+                </a:solidFill>
+                <a:latin typeface="+mn-lt"/>
+              </a:rPr>
+              <a:t>simplicity of the interface</a:t>
+            </a:r>
+            <a:r>
+              <a:rPr lang="en-US" dirty="0" smtClean="0">
+                <a:solidFill>
+                  <a:schemeClr val="tx1"/>
+                </a:solidFill>
+                <a:latin typeface="+mn-lt"/>
+              </a:rPr>
+              <a:t>.</a:t>
+            </a:r>
+          </a:p>
+          <a:p>
+            <a:endParaRPr lang="en-US" dirty="0" smtClean="0">
+              <a:solidFill>
+                <a:schemeClr val="tx1"/>
+              </a:solidFill>
+              <a:latin typeface="+mn-lt"/>
+            </a:endParaRPr>
+          </a:p>
+          <a:p>
+            <a:r>
+              <a:rPr lang="en-US" dirty="0" smtClean="0">
+                <a:solidFill>
+                  <a:schemeClr val="tx1"/>
+                </a:solidFill>
+                <a:latin typeface="+mn-lt"/>
               </a:rPr>
               <a:t>Modularity.</a:t>
             </a:r>
@@ -11564,6 +10380,7 @@
               <a:solidFill>
                 <a:schemeClr val="tx1"/>
               </a:solidFill>
+              <a:latin typeface="+mn-lt"/>
             </a:endParaRPr>
           </a:p>
         </p:txBody>
@@ -11936,10 +10753,14 @@
           <a:lstStyle/>
           <a:p>
             <a:r>
-              <a:rPr lang="en-US" dirty="0" smtClean="0"/>
+              <a:rPr lang="en-US" dirty="0" smtClean="0">
+                <a:latin typeface="+mj-lt"/>
+              </a:rPr>
               <a:t>Typescript Introduction</a:t>
             </a:r>
-            <a:endParaRPr lang="en-US" dirty="0"/>
+            <a:endParaRPr lang="en-US" dirty="0">
+              <a:latin typeface="+mj-lt"/>
+            </a:endParaRPr>
           </a:p>
         </p:txBody>
       </p:sp>
@@ -11968,6 +10789,7 @@
                 <a:solidFill>
                   <a:schemeClr val="tx1"/>
                 </a:solidFill>
+                <a:latin typeface="+mn-lt"/>
               </a:rPr>
               <a:t>Typescript is a typed superset of </a:t>
             </a:r>
@@ -11976,6 +10798,7 @@
                 <a:solidFill>
                   <a:schemeClr val="tx1"/>
                 </a:solidFill>
+                <a:latin typeface="+mn-lt"/>
               </a:rPr>
               <a:t>J</a:t>
             </a:r>
@@ -11984,6 +10807,7 @@
                 <a:solidFill>
                   <a:schemeClr val="tx1"/>
                 </a:solidFill>
+                <a:latin typeface="+mn-lt"/>
               </a:rPr>
               <a:t>avascript</a:t>
             </a:r>
@@ -11992,6 +10816,7 @@
                 <a:solidFill>
                   <a:schemeClr val="tx1"/>
                 </a:solidFill>
+                <a:latin typeface="+mn-lt"/>
               </a:rPr>
               <a:t> that compiles to plain </a:t>
             </a:r>
@@ -12000,6 +10825,7 @@
                 <a:solidFill>
                   <a:schemeClr val="tx1"/>
                 </a:solidFill>
+                <a:latin typeface="+mn-lt"/>
               </a:rPr>
               <a:t>Javascript</a:t>
             </a:r>
@@ -12008,6 +10834,7 @@
                 <a:solidFill>
                   <a:schemeClr val="tx1"/>
                 </a:solidFill>
+                <a:latin typeface="+mn-lt"/>
               </a:rPr>
               <a:t>.</a:t>
             </a:r>
@@ -12018,6 +10845,7 @@
                 <a:solidFill>
                   <a:schemeClr val="tx1"/>
                 </a:solidFill>
+                <a:latin typeface="+mn-lt"/>
               </a:rPr>
               <a:t>Perfect support for inheritance and interfaces allows achieving higher OOP experience to JavaScript, which results into </a:t>
             </a:r>
@@ -12026,6 +10854,7 @@
                 <a:solidFill>
                   <a:schemeClr val="tx1"/>
                 </a:solidFill>
+                <a:latin typeface="+mn-lt"/>
               </a:rPr>
               <a:t>the </a:t>
             </a:r>
@@ -12034,6 +10863,7 @@
                 <a:solidFill>
                   <a:schemeClr val="tx1"/>
                 </a:solidFill>
+                <a:latin typeface="+mn-lt"/>
               </a:rPr>
               <a:t>code </a:t>
             </a:r>
@@ -12042,6 +10872,7 @@
                 <a:solidFill>
                   <a:schemeClr val="tx1"/>
                 </a:solidFill>
+                <a:latin typeface="+mn-lt"/>
               </a:rPr>
               <a:t>reuse</a:t>
             </a:r>
@@ -12052,6 +10883,7 @@
                 <a:solidFill>
                   <a:schemeClr val="tx1"/>
                 </a:solidFill>
+                <a:latin typeface="+mn-lt"/>
               </a:rPr>
               <a:t>The syntax is usually more convenient for C# or Java developers.</a:t>
             </a:r>
@@ -12063,6 +10895,7 @@
                 <a:solidFill>
                   <a:schemeClr val="tx1"/>
                 </a:solidFill>
+                <a:latin typeface="+mn-lt"/>
               </a:rPr>
               <a:t>Class and Module Support</a:t>
             </a:r>
@@ -12074,6 +10907,7 @@
                 <a:solidFill>
                   <a:schemeClr val="tx1"/>
                 </a:solidFill>
+                <a:latin typeface="+mn-lt"/>
               </a:rPr>
               <a:t>Static Type-checking</a:t>
             </a:r>
@@ -12084,47 +10918,78 @@
               <a:solidFill>
                 <a:schemeClr val="tx1"/>
               </a:solidFill>
+              <a:latin typeface="+mn-lt"/>
             </a:endParaRPr>
           </a:p>
           <a:p>
             <a:pPr fontAlgn="base"/>
             <a:r>
-              <a:rPr lang="en-US" b="1" dirty="0">
+              <a:rPr lang="en-US" sz="1600" b="1" dirty="0">
                 <a:solidFill>
                   <a:schemeClr val="tx1"/>
                 </a:solidFill>
+                <a:latin typeface="+mn-lt"/>
               </a:rPr>
               <a:t>ES6</a:t>
             </a:r>
             <a:r>
-              <a:rPr lang="en-US" b="1" dirty="0" smtClean="0">
+              <a:rPr lang="en-US" sz="1600" b="1" dirty="0" smtClean="0">
                 <a:solidFill>
                   <a:schemeClr val="tx1"/>
                 </a:solidFill>
+                <a:latin typeface="+mn-lt"/>
               </a:rPr>
               <a:t>:</a:t>
             </a:r>
-            <a:endParaRPr lang="en-US" dirty="0">
+            <a:endParaRPr lang="en-US" sz="1600" dirty="0">
+              <a:solidFill>
+                <a:schemeClr val="tx1"/>
+              </a:solidFill>
+              <a:latin typeface="+mn-lt"/>
+            </a:endParaRPr>
+          </a:p>
+          <a:p>
+            <a:pPr lvl="1" fontAlgn="base">
+              <a:buFont typeface="Wingdings" panose="05000000000000000000" pitchFamily="2" charset="2"/>
+              <a:buChar char="Ø"/>
+            </a:pPr>
+            <a:r>
+              <a:rPr lang="en-US" sz="1400" dirty="0" smtClean="0">
+                <a:solidFill>
+                  <a:schemeClr val="tx1"/>
+                </a:solidFill>
+              </a:rPr>
+              <a:t>Class </a:t>
+            </a:r>
+            <a:r>
+              <a:rPr lang="en-US" sz="1400" dirty="0">
+                <a:solidFill>
+                  <a:schemeClr val="tx1"/>
+                </a:solidFill>
+              </a:rPr>
+              <a:t>– Clearer syntax for creating objects and prototypes</a:t>
+            </a:r>
+            <a:r>
+              <a:rPr lang="en-US" sz="1400" dirty="0" smtClean="0">
+                <a:solidFill>
+                  <a:schemeClr val="tx1"/>
+                </a:solidFill>
+              </a:rPr>
+              <a:t>.	</a:t>
+            </a:r>
+            <a:endParaRPr lang="en-US" sz="1400" dirty="0">
               <a:solidFill>
                 <a:schemeClr val="tx1"/>
               </a:solidFill>
             </a:endParaRPr>
           </a:p>
           <a:p>
-            <a:pPr fontAlgn="base"/>
-            <a:r>
-              <a:rPr lang="en-US" dirty="0">
-                <a:solidFill>
-                  <a:schemeClr val="tx1"/>
-                </a:solidFill>
-              </a:rPr>
-              <a:t>Class – Clearer syntax for creating objects and prototypes.</a:t>
-            </a:r>
-          </a:p>
-          <a:p>
-            <a:pPr fontAlgn="base"/>
-            <a:r>
-              <a:rPr lang="en-US" dirty="0">
+            <a:pPr lvl="1" fontAlgn="base">
+              <a:buFont typeface="Wingdings" panose="05000000000000000000" pitchFamily="2" charset="2"/>
+              <a:buChar char="Ø"/>
+            </a:pPr>
+            <a:r>
+              <a:rPr lang="en-US" sz="1400" dirty="0">
                 <a:solidFill>
                   <a:schemeClr val="tx1"/>
                 </a:solidFill>
@@ -12133,9 +10998,12 @@
             </a:r>
           </a:p>
           <a:p>
-            <a:pPr fontAlgn="base"/>
-            <a:r>
-              <a:rPr lang="en-US" dirty="0">
+            <a:pPr lvl="1" fontAlgn="base">
+              <a:buFont typeface="Wingdings" panose="05000000000000000000" pitchFamily="2" charset="2"/>
+              <a:buChar char="Ø"/>
+            </a:pPr>
+            <a:r>
+              <a:rPr lang="en-US" sz="1400" dirty="0">
                 <a:solidFill>
                   <a:schemeClr val="tx1"/>
                 </a:solidFill>
@@ -12143,23 +11011,26 @@
               <a:t>Importing and Exporting Modules – To conditionally load modules with declarative syntax</a:t>
             </a:r>
             <a:r>
-              <a:rPr lang="en-US" dirty="0" smtClean="0">
+              <a:rPr lang="en-US" sz="1400" dirty="0" smtClean="0">
                 <a:solidFill>
                   <a:schemeClr val="tx1"/>
                 </a:solidFill>
               </a:rPr>
               <a:t>.</a:t>
             </a:r>
-            <a:endParaRPr lang="en-US" dirty="0">
+            <a:endParaRPr lang="en-US" sz="1400" dirty="0">
               <a:solidFill>
                 <a:schemeClr val="tx1"/>
               </a:solidFill>
             </a:endParaRPr>
           </a:p>
           <a:p>
-            <a:pPr fontAlgn="base"/>
-            <a:r>
-              <a:rPr lang="en-US" dirty="0" smtClean="0">
+            <a:pPr lvl="1" fontAlgn="base">
+              <a:buFont typeface="Wingdings" panose="05000000000000000000" pitchFamily="2" charset="2"/>
+              <a:buChar char="Ø"/>
+            </a:pPr>
+            <a:r>
+              <a:rPr lang="en-US" sz="1400" dirty="0" smtClean="0">
                 <a:solidFill>
                   <a:schemeClr val="tx1"/>
                 </a:solidFill>
@@ -12167,7 +11038,7 @@
               <a:t>Fat </a:t>
             </a:r>
             <a:r>
-              <a:rPr lang="en-US" dirty="0">
+              <a:rPr lang="en-US" sz="1400" dirty="0">
                 <a:solidFill>
                   <a:schemeClr val="tx1"/>
                 </a:solidFill>
@@ -12181,6 +11052,7 @@
               <a:solidFill>
                 <a:schemeClr val="tx1"/>
               </a:solidFill>
+              <a:latin typeface="+mn-lt"/>
             </a:endParaRPr>
           </a:p>
           <a:p>
@@ -12188,6 +11060,7 @@
               <a:solidFill>
                 <a:schemeClr val="tx1"/>
               </a:solidFill>
+              <a:latin typeface="+mn-lt"/>
             </a:endParaRPr>
           </a:p>
         </p:txBody>
@@ -12560,7 +11433,9 @@
           <a:lstStyle/>
           <a:p>
             <a:r>
-              <a:rPr lang="en-US" dirty="0"/>
+              <a:rPr lang="en-US" dirty="0">
+                <a:latin typeface="+mj-lt"/>
+              </a:rPr>
               <a:t>Angular2 architecture</a:t>
             </a:r>
           </a:p>
@@ -12999,9 +11874,20 @@
           <a:lstStyle/>
           <a:p>
             <a:r>
-              <a:rPr lang="en-US" dirty="0"/>
-              <a:t>Angular2 architecture</a:t>
-            </a:r>
+              <a:rPr lang="en-US" dirty="0">
+                <a:latin typeface="+mj-lt"/>
+              </a:rPr>
+              <a:t>Angular2 </a:t>
+            </a:r>
+            <a:r>
+              <a:rPr lang="en-US" dirty="0" smtClean="0">
+                <a:latin typeface="+mj-lt"/>
+              </a:rPr>
+              <a:t>Architecture</a:t>
+            </a:r>
+            <a:endParaRPr lang="en-US" dirty="0">
+              <a:latin typeface="+mj-lt"/>
+            </a:endParaRPr>
           </a:p>
         </p:txBody>
       </p:sp>
@@ -13024,105 +11910,75 @@
               <a:buNone/>
             </a:pPr>
             <a:r>
-              <a:rPr lang="en-US" sz="1400" dirty="0" smtClean="0">
-                <a:latin typeface="Segoe UI "/>
-              </a:rPr>
+              <a:rPr lang="en-US" sz="1600" b="1" dirty="0" smtClean="0"/>
               <a:t>Modules</a:t>
             </a:r>
-            <a:endParaRPr lang="sr-Latn-RS" sz="1400" dirty="0">
-              <a:latin typeface="Segoe UI "/>
-            </a:endParaRPr>
+            <a:endParaRPr lang="sr-Latn-RS" sz="1600" b="1" dirty="0"/>
           </a:p>
           <a:p>
             <a:pPr lvl="2"/>
             <a:r>
-              <a:rPr lang="en-US" sz="1400" dirty="0">
-                <a:latin typeface="Segoe UI "/>
-              </a:rPr>
+              <a:rPr lang="en-US" sz="1400" dirty="0"/>
               <a:t>Contains parts of the application which we export</a:t>
             </a:r>
-            <a:endParaRPr lang="sr-Latn-RS" sz="1400" dirty="0">
-              <a:latin typeface="Segoe UI "/>
-            </a:endParaRPr>
+            <a:endParaRPr lang="sr-Latn-RS" sz="1400" dirty="0"/>
           </a:p>
           <a:p>
             <a:pPr marL="457200" lvl="1" indent="0">
               <a:buNone/>
             </a:pPr>
             <a:r>
-              <a:rPr lang="en-US" sz="1400" dirty="0">
-                <a:latin typeface="Segoe UI "/>
-              </a:rPr>
+              <a:rPr lang="en-US" sz="1600" b="1" dirty="0" smtClean="0"/>
               <a:t>Components</a:t>
             </a:r>
-            <a:endParaRPr lang="sr-Latn-RS" sz="1400" dirty="0">
-              <a:latin typeface="Segoe UI "/>
-            </a:endParaRPr>
+            <a:endParaRPr lang="sr-Latn-RS" sz="1600" b="1" dirty="0"/>
           </a:p>
           <a:p>
             <a:pPr lvl="2"/>
             <a:r>
-              <a:rPr lang="en-US" sz="1400" dirty="0">
-                <a:latin typeface="Segoe UI "/>
-              </a:rPr>
+              <a:rPr lang="en-US" sz="1400" dirty="0"/>
               <a:t>Application logic which controls parts of the user interface</a:t>
             </a:r>
-            <a:endParaRPr lang="sr-Latn-RS" sz="1400" dirty="0">
-              <a:latin typeface="Segoe UI "/>
-            </a:endParaRPr>
+            <a:endParaRPr lang="sr-Latn-RS" sz="1400" dirty="0"/>
           </a:p>
           <a:p>
             <a:pPr marL="457200" lvl="1" indent="0">
               <a:buNone/>
             </a:pPr>
             <a:r>
-              <a:rPr lang="sr-Latn-RS" sz="1400" dirty="0">
-                <a:latin typeface="Segoe UI "/>
-              </a:rPr>
+              <a:rPr lang="sr-Latn-RS" sz="1600" b="1" dirty="0"/>
               <a:t>Templates</a:t>
             </a:r>
           </a:p>
           <a:p>
             <a:pPr lvl="2"/>
             <a:r>
-              <a:rPr lang="en-US" sz="1400" dirty="0">
-                <a:latin typeface="Segoe UI "/>
-              </a:rPr>
+              <a:rPr lang="en-US" sz="1400" dirty="0"/>
               <a:t>Renders the component on the page</a:t>
             </a:r>
-            <a:endParaRPr lang="sr-Latn-RS" sz="1400" dirty="0">
-              <a:latin typeface="Segoe UI "/>
-            </a:endParaRPr>
+            <a:endParaRPr lang="sr-Latn-RS" sz="1400" dirty="0"/>
           </a:p>
           <a:p>
             <a:pPr marL="457200" lvl="1" indent="0">
               <a:buNone/>
             </a:pPr>
             <a:r>
-              <a:rPr lang="sr-Latn-RS" sz="1400" dirty="0">
-                <a:latin typeface="Segoe UI "/>
-              </a:rPr>
+              <a:rPr lang="sr-Latn-RS" sz="1600" b="1" dirty="0"/>
               <a:t>Metadata</a:t>
             </a:r>
           </a:p>
           <a:p>
             <a:pPr lvl="2"/>
             <a:r>
-              <a:rPr lang="en-US" sz="1400" dirty="0" smtClean="0">
-                <a:latin typeface="Segoe UI "/>
-              </a:rPr>
+              <a:rPr lang="en-US" sz="1400" dirty="0" smtClean="0"/>
               <a:t>Information </a:t>
             </a:r>
             <a:r>
-              <a:rPr lang="en-US" sz="1400" dirty="0">
-                <a:latin typeface="Segoe UI "/>
-              </a:rPr>
+              <a:rPr lang="en-US" sz="1400" dirty="0"/>
               <a:t>about the angular application </a:t>
             </a:r>
             <a:r>
-              <a:rPr lang="en-US" sz="1400" dirty="0" smtClean="0">
-                <a:latin typeface="Segoe UI "/>
-              </a:rPr>
+              <a:rPr lang="en-US" sz="1400" dirty="0" smtClean="0"/>
               <a:t>parts</a:t>
             </a:r>
           </a:p>
@@ -13148,20 +12004,10 @@
               <a:t>@Component </a:t>
             </a:r>
             <a:r>
-              <a:rPr lang="en-US" sz="1400" dirty="0"/>
+              <a:rPr lang="en-US" sz="1400" dirty="0" smtClean="0"/>
               <a:t>decorator</a:t>
             </a:r>
-          </a:p>
-          <a:p>
-            <a:pPr lvl="2"/>
-            <a:endParaRPr lang="en-US" sz="1400" dirty="0">
-              <a:latin typeface="Segoe UI "/>
-            </a:endParaRPr>
-          </a:p>
-          <a:p>
-            <a:endParaRPr lang="en-US" dirty="0">
-              <a:latin typeface="Seog"/>
-            </a:endParaRPr>
+            <a:endParaRPr lang="en-US" sz="1400" dirty="0"/>
           </a:p>
         </p:txBody>
       </p:sp>
@@ -13533,10 +12379,14 @@
           <a:lstStyle/>
           <a:p>
             <a:r>
-              <a:rPr lang="en-US" dirty="0" smtClean="0"/>
-              <a:t>Services</a:t>
-            </a:r>
-            <a:endParaRPr lang="en-US" dirty="0"/>
+              <a:rPr lang="en-US" dirty="0" smtClean="0">
+                <a:latin typeface="+mj-lt"/>
+              </a:rPr>
+              <a:t>Angular2 Architecture</a:t>
+            </a:r>
+            <a:endParaRPr lang="en-US" dirty="0">
+              <a:latin typeface="+mj-lt"/>
+            </a:endParaRPr>
           </a:p>
         </p:txBody>
       </p:sp>
@@ -13555,6 +12405,16 @@
           <a:bodyPr/>
           <a:lstStyle/>
           <a:p>
+            <a:pPr marL="457200" lvl="1" indent="0">
+              <a:buNone/>
+            </a:pPr>
+            <a:r>
+              <a:rPr lang="en-US" sz="1600" b="1" dirty="0" smtClean="0"/>
+              <a:t>Services</a:t>
+            </a:r>
+            <a:endParaRPr lang="en-US" sz="1400" dirty="0"/>
+          </a:p>
+          <a:p>
             <a:pPr lvl="1">
               <a:buFont typeface="Arial" panose="020B0604020202020204" pitchFamily="34" charset="0"/>
               <a:buChar char="•"/>
@@ -13571,12 +12431,29 @@
               <a:rPr lang="en-US" sz="1400" dirty="0" smtClean="0"/>
               <a:t>logic</a:t>
             </a:r>
+            <a:endParaRPr lang="sr-Latn-RS" sz="1400" dirty="0"/>
           </a:p>
           <a:p>
             <a:pPr lvl="1">
               <a:buFont typeface="Arial" panose="020B0604020202020204" pitchFamily="34" charset="0"/>
               <a:buChar char="•"/>
             </a:pPr>
+            <a:r>
+              <a:rPr lang="en-US" sz="1400" dirty="0"/>
+              <a:t>Share data or functions between different part</a:t>
+            </a:r>
+            <a:r>
+              <a:rPr lang="sr-Latn-RS" sz="1400" dirty="0"/>
+              <a:t>s</a:t>
+            </a:r>
+            <a:r>
+              <a:rPr lang="en-US" sz="1400" dirty="0"/>
+              <a:t> of angular </a:t>
+            </a:r>
+            <a:r>
+              <a:rPr lang="en-US" sz="1400" dirty="0" smtClean="0"/>
+              <a:t>application</a:t>
+            </a:r>
             <a:endParaRPr lang="sr-Latn-RS" sz="1400" dirty="0"/>
           </a:p>
           <a:p>
@@ -13586,15 +12463,11 @@
             </a:pPr>
             <a:r>
               <a:rPr lang="en-US" sz="1400" dirty="0"/>
-              <a:t>Share data or functions between different part</a:t>
-            </a:r>
-            <a:r>
-              <a:rPr lang="sr-Latn-RS" sz="1400" dirty="0"/>
-              <a:t>s</a:t>
-            </a:r>
-            <a:r>
-              <a:rPr lang="en-US" sz="1400" dirty="0"/>
-              <a:t> of angular application</a:t>
+              <a:t>They minimize number of lines of code (code reusability</a:t>
+            </a:r>
+            <a:r>
+              <a:rPr lang="en-US" sz="1400" dirty="0" smtClean="0"/>
+              <a:t>)</a:t>
             </a:r>
             <a:endParaRPr lang="sr-Latn-RS" sz="1400" dirty="0"/>
           </a:p>
@@ -13603,24 +12476,49 @@
               <a:buFont typeface="Arial" panose="020B0604020202020204" pitchFamily="34" charset="0"/>
               <a:buChar char="•"/>
             </a:pPr>
-            <a:endParaRPr lang="sr-Latn-RS" sz="1400" dirty="0"/>
+            <a:r>
+              <a:rPr lang="en-US" sz="1400" dirty="0"/>
+              <a:t>@Injectable() </a:t>
+            </a:r>
+            <a:r>
+              <a:rPr lang="en-US" sz="1400" dirty="0" smtClean="0"/>
+              <a:t>decorator</a:t>
+            </a:r>
           </a:p>
           <a:p>
             <a:pPr lvl="1">
               <a:buFont typeface="Arial" panose="020B0604020202020204" pitchFamily="34" charset="0"/>
               <a:buChar char="•"/>
             </a:pPr>
-            <a:r>
-              <a:rPr lang="en-US" sz="1400" dirty="0"/>
-              <a:t>They minimize number of lines of code (code reusability)</a:t>
-            </a:r>
-            <a:endParaRPr lang="sr-Latn-RS" sz="1400" dirty="0"/>
+            <a:endParaRPr lang="en-US" sz="1400" dirty="0"/>
+          </a:p>
+          <a:p>
+            <a:pPr marL="457200" lvl="1" indent="0">
+              <a:buNone/>
+            </a:pPr>
+            <a:r>
+              <a:rPr lang="en-US" sz="1600" b="1" dirty="0"/>
+              <a:t>Dependency</a:t>
+            </a:r>
+            <a:r>
+              <a:rPr lang="en-US" sz="1600" b="1" dirty="0"/>
+              <a:t> injection</a:t>
+            </a:r>
+            <a:endParaRPr lang="en-US" sz="1600" b="1" dirty="0"/>
           </a:p>
           <a:p>
             <a:pPr lvl="1">
               <a:buFont typeface="Arial" panose="020B0604020202020204" pitchFamily="34" charset="0"/>
               <a:buChar char="•"/>
             </a:pPr>
+            <a:r>
+              <a:rPr lang="en-US" sz="1400" dirty="0"/>
+              <a:t>The way we give an instance of the object to some other part of the angular </a:t>
+            </a:r>
+            <a:r>
+              <a:rPr lang="en-US" sz="1400" dirty="0" smtClean="0"/>
+              <a:t>application</a:t>
+            </a:r>
             <a:endParaRPr lang="sr-Latn-RS" sz="1400" dirty="0"/>
           </a:p>
           <a:p>
@@ -13630,13 +12528,30 @@
             </a:pPr>
             <a:r>
               <a:rPr lang="en-US" sz="1400" dirty="0"/>
-              <a:t>@Injectable() decorator</a:t>
+              <a:t>Instances of services are given through the constructors</a:t>
             </a:r>
             <a:endParaRPr lang="sr-Latn-RS" sz="1400" dirty="0"/>
           </a:p>
           <a:p>
             <a:endParaRPr lang="en-US" dirty="0">
-              <a:latin typeface="Seog"/>
+              <a:latin typeface="+mn-lt"/>
+            </a:endParaRPr>
+          </a:p>
+          <a:p>
+            <a:pPr marL="457200" lvl="1" indent="0">
+              <a:buNone/>
+            </a:pPr>
+            <a:endParaRPr lang="en-US" sz="1400" dirty="0" smtClean="0"/>
+          </a:p>
+          <a:p>
+            <a:pPr marL="457200" lvl="1" indent="0">
+              <a:buNone/>
+            </a:pPr>
+            <a:endParaRPr lang="sr-Latn-RS" sz="1400" dirty="0"/>
+          </a:p>
+          <a:p>
+            <a:endParaRPr lang="en-US" dirty="0">
+              <a:latin typeface="+mn-lt"/>
             </a:endParaRPr>
           </a:p>
         </p:txBody>
@@ -14009,9 +12924,14 @@
           <a:lstStyle/>
           <a:p>
             <a:r>
-              <a:rPr lang="en-US" dirty="0"/>
-              <a:t>Dependency injection</a:t>
-            </a:r>
+              <a:rPr lang="en-US" dirty="0" smtClean="0">
+                <a:latin typeface="+mj-lt"/>
+              </a:rPr>
+              <a:t>Routing</a:t>
+            </a:r>
+            <a:endParaRPr lang="en-US" dirty="0">
+              <a:latin typeface="+mj-lt"/>
+            </a:endParaRPr>
           </a:p>
         </p:txBody>
       </p:sp>
@@ -14036,7 +12956,7 @@
             </a:pPr>
             <a:r>
               <a:rPr lang="en-US" sz="1400" dirty="0"/>
-              <a:t>The way we give an instance of the object to some other part of the angular application</a:t>
+              <a:t>The way we move through the application</a:t>
             </a:r>
             <a:endParaRPr lang="sr-Latn-RS" sz="1400" dirty="0"/>
           </a:p>
@@ -14054,21 +12974,49 @@
             </a:pPr>
             <a:r>
               <a:rPr lang="en-US" sz="1400" dirty="0"/>
-              <a:t>Instances of services are given through the constructors</a:t>
+              <a:t>&lt;base </a:t>
+            </a:r>
+            <a:r>
+              <a:rPr lang="en-US" sz="1400" dirty="0" err="1"/>
+              <a:t>href</a:t>
+            </a:r>
+            <a:r>
+              <a:rPr lang="en-US" sz="1400" dirty="0"/>
+              <a:t>=“/”&gt;</a:t>
+            </a:r>
+          </a:p>
+          <a:p>
+            <a:pPr lvl="1">
+              <a:buFont typeface="Arial" panose="020B0604020202020204" pitchFamily="34" charset="0"/>
+              <a:buChar char="•"/>
+            </a:pPr>
+            <a:endParaRPr lang="en-US" sz="1400" dirty="0"/>
+          </a:p>
+          <a:p>
+            <a:pPr lvl="1">
+              <a:buFont typeface="Arial" panose="020B0604020202020204" pitchFamily="34" charset="0"/>
+              <a:buChar char="•"/>
+            </a:pPr>
+            <a:r>
+              <a:rPr lang="en-US" sz="1400" dirty="0"/>
+              <a:t>ROUTER_PROVIDERS, @Routes, &lt;Router-outlet&gt;, [</a:t>
+            </a:r>
+            <a:r>
+              <a:rPr lang="en-US" sz="1400" dirty="0" err="1"/>
+              <a:t>routerLink</a:t>
+            </a:r>
+            <a:r>
+              <a:rPr lang="en-US" sz="1400" dirty="0"/>
+              <a:t>]</a:t>
             </a:r>
             <a:endParaRPr lang="sr-Latn-RS" sz="1400" dirty="0"/>
-          </a:p>
-          <a:p>
-            <a:endParaRPr lang="en-US" dirty="0">
-              <a:latin typeface="Seog"/>
-            </a:endParaRPr>
           </a:p>
         </p:txBody>
       </p:sp>
     </p:spTree>
     <p:extLst>
       <p:ext uri="{BB962C8B-B14F-4D97-AF65-F5344CB8AC3E}">
-        <p14:creationId xmlns:p14="http://schemas.microsoft.com/office/powerpoint/2010/main" val="1714177032"/>
+        <p14:creationId xmlns:p14="http://schemas.microsoft.com/office/powerpoint/2010/main" val="466612597"/>
       </p:ext>
     </p:extLst>
   </p:cSld>
@@ -14433,10 +13381,20 @@
           <a:lstStyle/>
           <a:p>
             <a:r>
-              <a:rPr lang="en-US" dirty="0" smtClean="0"/>
-              <a:t>Routing</a:t>
-            </a:r>
-            <a:endParaRPr lang="en-US" dirty="0"/>
+              <a:rPr lang="en-US" dirty="0">
+                <a:latin typeface="+mj-lt"/>
+              </a:rPr>
+              <a:t>Setup and Bootstrap </a:t>
+            </a:r>
+            <a:r>
+              <a:rPr lang="en-US" dirty="0" smtClean="0">
+                <a:latin typeface="+mj-lt"/>
+              </a:rPr>
+              <a:t>Angular2</a:t>
+            </a:r>
+            <a:endParaRPr lang="en-US" dirty="0">
+              <a:latin typeface="+mj-lt"/>
+            </a:endParaRPr>
           </a:p>
         </p:txBody>
       </p:sp>
@@ -14455,15 +13413,187 @@
           <a:bodyPr/>
           <a:lstStyle/>
           <a:p>
-            <a:pPr lvl="1">
-              <a:buFont typeface="Arial" panose="020B0604020202020204" pitchFamily="34" charset="0"/>
-              <a:buChar char="•"/>
-            </a:pPr>
-            <a:r>
-              <a:rPr lang="en-US" sz="1400" dirty="0"/>
-              <a:t>The way we move through the application</a:t>
-            </a:r>
-            <a:endParaRPr lang="sr-Latn-RS" sz="1400" dirty="0"/>
+            <a:r>
+              <a:rPr lang="en-US" dirty="0" smtClean="0">
+                <a:solidFill>
+                  <a:schemeClr val="tx1"/>
+                </a:solidFill>
+                <a:latin typeface="+mn-lt"/>
+              </a:rPr>
+              <a:t>Make sure </a:t>
+            </a:r>
+            <a:r>
+              <a:rPr lang="en-US" dirty="0" err="1" smtClean="0">
+                <a:solidFill>
+                  <a:schemeClr val="tx1"/>
+                </a:solidFill>
+                <a:latin typeface="+mn-lt"/>
+              </a:rPr>
+              <a:t>NodeJS</a:t>
+            </a:r>
+            <a:r>
+              <a:rPr lang="en-US" dirty="0" smtClean="0">
+                <a:solidFill>
+                  <a:schemeClr val="tx1"/>
+                </a:solidFill>
+                <a:latin typeface="+mn-lt"/>
+              </a:rPr>
+              <a:t> is installed</a:t>
+            </a:r>
+          </a:p>
+          <a:p>
+            <a:endParaRPr lang="en-US" dirty="0" smtClean="0">
+              <a:solidFill>
+                <a:schemeClr val="tx1"/>
+              </a:solidFill>
+              <a:latin typeface="+mn-lt"/>
+            </a:endParaRPr>
+          </a:p>
+          <a:p>
+            <a:r>
+              <a:rPr lang="en-US" dirty="0" smtClean="0">
+                <a:solidFill>
+                  <a:schemeClr val="tx1"/>
+                </a:solidFill>
+                <a:latin typeface="+mn-lt"/>
+              </a:rPr>
+              <a:t>Set </a:t>
+            </a:r>
+            <a:r>
+              <a:rPr lang="en-US" dirty="0">
+                <a:solidFill>
+                  <a:schemeClr val="tx1"/>
+                </a:solidFill>
+                <a:latin typeface="+mn-lt"/>
+              </a:rPr>
+              <a:t>up our development </a:t>
+            </a:r>
+            <a:r>
+              <a:rPr lang="en-US" dirty="0" smtClean="0">
+                <a:solidFill>
+                  <a:schemeClr val="tx1"/>
+                </a:solidFill>
+                <a:latin typeface="+mn-lt"/>
+              </a:rPr>
+              <a:t>environment</a:t>
+            </a:r>
+          </a:p>
+          <a:p>
+            <a:endParaRPr lang="en-US" dirty="0">
+              <a:solidFill>
+                <a:schemeClr val="tx1"/>
+              </a:solidFill>
+              <a:latin typeface="+mn-lt"/>
+            </a:endParaRPr>
+          </a:p>
+          <a:p>
+            <a:r>
+              <a:rPr lang="en-US" dirty="0">
+                <a:solidFill>
+                  <a:schemeClr val="tx1"/>
+                </a:solidFill>
+                <a:latin typeface="+mn-lt"/>
+              </a:rPr>
+              <a:t>Write the Angular root component for our </a:t>
+            </a:r>
+            <a:r>
+              <a:rPr lang="en-US" dirty="0" smtClean="0">
+                <a:solidFill>
+                  <a:schemeClr val="tx1"/>
+                </a:solidFill>
+                <a:latin typeface="+mn-lt"/>
+              </a:rPr>
+              <a:t>app</a:t>
+            </a:r>
+          </a:p>
+          <a:p>
+            <a:endParaRPr lang="en-US" dirty="0">
+              <a:solidFill>
+                <a:schemeClr val="tx1"/>
+              </a:solidFill>
+              <a:latin typeface="+mn-lt"/>
+            </a:endParaRPr>
+          </a:p>
+          <a:p>
+            <a:r>
+              <a:rPr lang="en-US" dirty="0">
+                <a:solidFill>
+                  <a:schemeClr val="tx1"/>
+                </a:solidFill>
+                <a:latin typeface="+mn-lt"/>
+              </a:rPr>
+              <a:t>Add an Angular </a:t>
+            </a:r>
+            <a:r>
+              <a:rPr lang="en-US" dirty="0" smtClean="0">
+                <a:solidFill>
+                  <a:schemeClr val="tx1"/>
+                </a:solidFill>
+                <a:latin typeface="+mn-lt"/>
+              </a:rPr>
+              <a:t>Module</a:t>
+            </a:r>
+          </a:p>
+          <a:p>
+            <a:endParaRPr lang="en-US" dirty="0">
+              <a:solidFill>
+                <a:schemeClr val="tx1"/>
+              </a:solidFill>
+              <a:latin typeface="+mn-lt"/>
+            </a:endParaRPr>
+          </a:p>
+          <a:p>
+            <a:r>
+              <a:rPr lang="en-US" dirty="0">
+                <a:solidFill>
+                  <a:schemeClr val="tx1"/>
+                </a:solidFill>
+                <a:latin typeface="+mn-lt"/>
+              </a:rPr>
+              <a:t>Bootstrap it to take control of the main web </a:t>
+            </a:r>
+            <a:r>
+              <a:rPr lang="en-US" dirty="0" smtClean="0">
+                <a:solidFill>
+                  <a:schemeClr val="tx1"/>
+                </a:solidFill>
+                <a:latin typeface="+mn-lt"/>
+              </a:rPr>
+              <a:t>page</a:t>
+            </a:r>
+          </a:p>
+          <a:p>
+            <a:endParaRPr lang="en-US" dirty="0">
+              <a:solidFill>
+                <a:schemeClr val="tx1"/>
+              </a:solidFill>
+              <a:latin typeface="+mn-lt"/>
+            </a:endParaRPr>
+          </a:p>
+          <a:p>
+            <a:r>
+              <a:rPr lang="en-US" dirty="0">
+                <a:solidFill>
+                  <a:schemeClr val="tx1"/>
+                </a:solidFill>
+                <a:latin typeface="+mn-lt"/>
+              </a:rPr>
+              <a:t>Write the main page (index.html</a:t>
+            </a:r>
+            <a:r>
+              <a:rPr lang="en-US" dirty="0" smtClean="0">
+                <a:solidFill>
+                  <a:schemeClr val="tx1"/>
+                </a:solidFill>
+                <a:latin typeface="+mn-lt"/>
+              </a:rPr>
+              <a:t>)</a:t>
+            </a:r>
+          </a:p>
+          <a:p>
+            <a:endParaRPr lang="en-US" dirty="0">
+              <a:latin typeface="+mn-lt"/>
+            </a:endParaRPr>
           </a:p>
           <a:p>
             <a:pPr lvl="1">
@@ -14472,56 +13602,37 @@
             </a:pPr>
             <a:endParaRPr lang="sr-Latn-RS" sz="1400" dirty="0"/>
           </a:p>
-          <a:p>
-            <a:pPr lvl="1">
-              <a:buFont typeface="Arial" panose="020B0604020202020204" pitchFamily="34" charset="0"/>
-              <a:buChar char="•"/>
-            </a:pPr>
-            <a:r>
-              <a:rPr lang="en-US" sz="1400" dirty="0"/>
-              <a:t>&lt;base </a:t>
-            </a:r>
-            <a:r>
-              <a:rPr lang="en-US" sz="1400" dirty="0" err="1"/>
-              <a:t>href</a:t>
-            </a:r>
-            <a:r>
-              <a:rPr lang="en-US" sz="1400" dirty="0"/>
-              <a:t>=“/”&gt;</a:t>
-            </a:r>
-          </a:p>
-          <a:p>
-            <a:pPr lvl="1">
-              <a:buFont typeface="Arial" panose="020B0604020202020204" pitchFamily="34" charset="0"/>
-              <a:buChar char="•"/>
-            </a:pPr>
-            <a:endParaRPr lang="en-US" sz="1400" dirty="0"/>
-          </a:p>
-          <a:p>
-            <a:pPr lvl="1">
-              <a:buFont typeface="Arial" panose="020B0604020202020204" pitchFamily="34" charset="0"/>
-              <a:buChar char="•"/>
-            </a:pPr>
-            <a:r>
-              <a:rPr lang="en-US" sz="1400" dirty="0"/>
-              <a:t>ROUTER_PROVIDERS, @Routes, &lt;Router-outlet&gt;, [</a:t>
-            </a:r>
-            <a:r>
-              <a:rPr lang="en-US" sz="1400" dirty="0" err="1"/>
-              <a:t>routerLink</a:t>
-            </a:r>
-            <a:r>
-              <a:rPr lang="en-US" sz="1400" dirty="0"/>
-              <a:t>]</a:t>
-            </a:r>
-            <a:endParaRPr lang="sr-Latn-RS" sz="1400" dirty="0"/>
+        </p:txBody>
+      </p:sp>
+      <p:sp>
+        <p:nvSpPr>
+          <p:cNvPr id="2" name="Rectangle 1"/>
+          <p:cNvSpPr/>
+          <p:nvPr/>
+        </p:nvSpPr>
+        <p:spPr>
+          <a:xfrm>
+            <a:off x="2514600" y="2505760"/>
+            <a:ext cx="5029200" cy="369332"/>
+          </a:xfrm>
+          <a:prstGeom prst="rect">
+            <a:avLst/>
+          </a:prstGeom>
+        </p:spPr>
+        <p:txBody>
+          <a:bodyPr>
+            <a:spAutoFit/>
+          </a:bodyPr>
+          <a:lstStyle/>
+          <a:p>
+            <a:endParaRPr lang="en-US" dirty="0"/>
           </a:p>
         </p:txBody>
       </p:sp>
     </p:spTree>
     <p:extLst>
       <p:ext uri="{BB962C8B-B14F-4D97-AF65-F5344CB8AC3E}">
-        <p14:creationId xmlns:p14="http://schemas.microsoft.com/office/powerpoint/2010/main" val="466612597"/>
+        <p14:creationId xmlns:p14="http://schemas.microsoft.com/office/powerpoint/2010/main" val="2202249739"/>
       </p:ext>
     </p:extLst>
   </p:cSld>
